--- a/4. Hands-on Modules/Embedding/_12. Performance Best Practices.pptx
+++ b/4. Hands-on Modules/Embedding/_12. Performance Best Practices.pptx
@@ -6,24 +6,19 @@
     <p:sldMasterId id="2147483665" r:id="rId5"/>
   </p:sldMasterIdLst>
   <p:notesMasterIdLst>
-    <p:notesMasterId r:id="rId21"/>
+    <p:notesMasterId r:id="rId16"/>
   </p:notesMasterIdLst>
   <p:sldIdLst>
     <p:sldId id="300" r:id="rId6"/>
     <p:sldId id="312" r:id="rId7"/>
     <p:sldId id="323" r:id="rId8"/>
     <p:sldId id="324" r:id="rId9"/>
-    <p:sldId id="263" r:id="rId10"/>
-    <p:sldId id="265" r:id="rId11"/>
-    <p:sldId id="325" r:id="rId12"/>
-    <p:sldId id="266" r:id="rId13"/>
-    <p:sldId id="267" r:id="rId14"/>
-    <p:sldId id="268" r:id="rId15"/>
-    <p:sldId id="275" r:id="rId16"/>
-    <p:sldId id="276" r:id="rId17"/>
-    <p:sldId id="333" r:id="rId18"/>
-    <p:sldId id="321" r:id="rId19"/>
-    <p:sldId id="315" r:id="rId20"/>
+    <p:sldId id="265" r:id="rId10"/>
+    <p:sldId id="334" r:id="rId11"/>
+    <p:sldId id="335" r:id="rId12"/>
+    <p:sldId id="336" r:id="rId13"/>
+    <p:sldId id="333" r:id="rId14"/>
+    <p:sldId id="315" r:id="rId15"/>
   </p:sldIdLst>
   <p:sldSz cx="12192000" cy="6858000"/>
   <p:notesSz cx="6858000" cy="9144000"/>
@@ -221,7 +216,7 @@
           <a:p>
             <a:fld id="{52A13B17-C506-4D51-BB37-16B365906619}" type="datetimeFigureOut">
               <a:rPr lang="en-US" smtClean="0"/>
-              <a:t>2/21/2019</a:t>
+              <a:t>3/4/2019</a:t>
             </a:fld>
             <a:endParaRPr lang="en-US"/>
           </a:p>
@@ -770,7 +765,7 @@
           <a:p>
             <a:fld id="{35A2D088-BDBD-41A5-ADCE-5C6A4DC08057}" type="datetime8">
               <a:rPr lang="en-US" smtClean="0"/>
-              <a:t>2/21/2019 10:22 PM</a:t>
+              <a:t>3/4/2019 3:01 PM</a:t>
             </a:fld>
             <a:endParaRPr lang="en-US" dirty="0"/>
           </a:p>
@@ -941,93 +936,6 @@
           <a:bodyPr/>
           <a:lstStyle/>
           <a:p>
-            <a:r>
-              <a:rPr lang="en-US" dirty="0"/>
-              <a:t>https://docs.microsoft.com/en-us/power-bi/developer/embedding</a:t>
-            </a:r>
-          </a:p>
-        </p:txBody>
-      </p:sp>
-      <p:sp>
-        <p:nvSpPr>
-          <p:cNvPr id="4" name="Slide Number Placeholder 3"/>
-          <p:cNvSpPr>
-            <a:spLocks noGrp="1"/>
-          </p:cNvSpPr>
-          <p:nvPr>
-            <p:ph type="sldNum" sz="quarter" idx="5"/>
-          </p:nvPr>
-        </p:nvSpPr>
-        <p:spPr/>
-        <p:txBody>
-          <a:bodyPr/>
-          <a:lstStyle/>
-          <a:p>
-            <a:fld id="{E6761AD9-DA11-4F49-B2E9-E9A671D97C71}" type="slidenum">
-              <a:rPr lang="en-US" smtClean="0"/>
-              <a:t>7</a:t>
-            </a:fld>
-            <a:endParaRPr lang="en-US"/>
-          </a:p>
-        </p:txBody>
-      </p:sp>
-    </p:spTree>
-    <p:extLst>
-      <p:ext uri="{BB962C8B-B14F-4D97-AF65-F5344CB8AC3E}">
-        <p14:creationId xmlns:p14="http://schemas.microsoft.com/office/powerpoint/2010/main" val="2309842889"/>
-      </p:ext>
-    </p:extLst>
-  </p:cSld>
-  <p:clrMapOvr>
-    <a:masterClrMapping/>
-  </p:clrMapOvr>
-</p:notes>
-</file>
-
-<file path=ppt/notesSlides/notesSlide5.xml><?xml version="1.0" encoding="utf-8"?>
-<p:notes xmlns:a="http://schemas.openxmlformats.org/drawingml/2006/main" xmlns:r="http://schemas.openxmlformats.org/officeDocument/2006/relationships" xmlns:p="http://schemas.openxmlformats.org/presentationml/2006/main">
-  <p:cSld>
-    <p:spTree>
-      <p:nvGrpSpPr>
-        <p:cNvPr id="1" name=""/>
-        <p:cNvGrpSpPr/>
-        <p:nvPr/>
-      </p:nvGrpSpPr>
-      <p:grpSpPr>
-        <a:xfrm>
-          <a:off x="0" y="0"/>
-          <a:ext cx="0" cy="0"/>
-          <a:chOff x="0" y="0"/>
-          <a:chExt cx="0" cy="0"/>
-        </a:xfrm>
-      </p:grpSpPr>
-      <p:sp>
-        <p:nvSpPr>
-          <p:cNvPr id="2" name="Slide Image Placeholder 1"/>
-          <p:cNvSpPr>
-            <a:spLocks noGrp="1" noRot="1" noChangeAspect="1"/>
-          </p:cNvSpPr>
-          <p:nvPr>
-            <p:ph type="sldImg"/>
-          </p:nvPr>
-        </p:nvSpPr>
-        <p:spPr/>
-      </p:sp>
-      <p:sp>
-        <p:nvSpPr>
-          <p:cNvPr id="3" name="Notes Placeholder 2"/>
-          <p:cNvSpPr>
-            <a:spLocks noGrp="1"/>
-          </p:cNvSpPr>
-          <p:nvPr>
-            <p:ph type="body" idx="1"/>
-          </p:nvPr>
-        </p:nvSpPr>
-        <p:spPr/>
-        <p:txBody>
-          <a:bodyPr/>
-          <a:lstStyle/>
-          <a:p>
             <a:endParaRPr lang="en-US" dirty="0"/>
           </a:p>
         </p:txBody>
@@ -1122,7 +1030,7 @@
           <a:p>
             <a:fld id="{35A2D088-BDBD-41A5-ADCE-5C6A4DC08057}" type="datetime8">
               <a:rPr lang="en-US" smtClean="0"/>
-              <a:t>2/21/2019 10:22 PM</a:t>
+              <a:t>3/4/2019 3:01 PM</a:t>
             </a:fld>
             <a:endParaRPr lang="en-US" dirty="0"/>
           </a:p>
@@ -1146,7 +1054,7 @@
             <a:fld id="{B4008EB6-D09E-4580-8CD6-DDB14511944F}" type="slidenum">
               <a:rPr lang="en-US" smtClean="0"/>
               <a:pPr/>
-              <a:t>13</a:t>
+              <a:t>9</a:t>
             </a:fld>
             <a:endParaRPr lang="en-US" dirty="0"/>
           </a:p>
@@ -1165,91 +1073,7 @@
 </p:notes>
 </file>
 
-<file path=ppt/notesSlides/notesSlide6.xml><?xml version="1.0" encoding="utf-8"?>
-<p:notes xmlns:a="http://schemas.openxmlformats.org/drawingml/2006/main" xmlns:r="http://schemas.openxmlformats.org/officeDocument/2006/relationships" xmlns:p="http://schemas.openxmlformats.org/presentationml/2006/main">
-  <p:cSld>
-    <p:spTree>
-      <p:nvGrpSpPr>
-        <p:cNvPr id="1" name=""/>
-        <p:cNvGrpSpPr/>
-        <p:nvPr/>
-      </p:nvGrpSpPr>
-      <p:grpSpPr>
-        <a:xfrm>
-          <a:off x="0" y="0"/>
-          <a:ext cx="0" cy="0"/>
-          <a:chOff x="0" y="0"/>
-          <a:chExt cx="0" cy="0"/>
-        </a:xfrm>
-      </p:grpSpPr>
-      <p:sp>
-        <p:nvSpPr>
-          <p:cNvPr id="2" name="Slide Image Placeholder 1"/>
-          <p:cNvSpPr>
-            <a:spLocks noGrp="1" noRot="1" noChangeAspect="1"/>
-          </p:cNvSpPr>
-          <p:nvPr>
-            <p:ph type="sldImg"/>
-          </p:nvPr>
-        </p:nvSpPr>
-        <p:spPr/>
-      </p:sp>
-      <p:sp>
-        <p:nvSpPr>
-          <p:cNvPr id="3" name="Notes Placeholder 2"/>
-          <p:cNvSpPr>
-            <a:spLocks noGrp="1"/>
-          </p:cNvSpPr>
-          <p:nvPr>
-            <p:ph type="body" idx="1"/>
-          </p:nvPr>
-        </p:nvSpPr>
-        <p:spPr/>
-        <p:txBody>
-          <a:bodyPr/>
-          <a:lstStyle/>
-          <a:p>
-            <a:endParaRPr lang="en-US" dirty="0"/>
-          </a:p>
-        </p:txBody>
-      </p:sp>
-      <p:sp>
-        <p:nvSpPr>
-          <p:cNvPr id="4" name="Slide Number Placeholder 3"/>
-          <p:cNvSpPr>
-            <a:spLocks noGrp="1"/>
-          </p:cNvSpPr>
-          <p:nvPr>
-            <p:ph type="sldNum" sz="quarter" idx="10"/>
-          </p:nvPr>
-        </p:nvSpPr>
-        <p:spPr/>
-        <p:txBody>
-          <a:bodyPr/>
-          <a:lstStyle/>
-          <a:p>
-            <a:fld id="{0998D5BB-B127-481F-BC0A-2F77C576BB34}" type="slidenum">
-              <a:rPr lang="en-US" smtClean="0"/>
-              <a:t>14</a:t>
-            </a:fld>
-            <a:endParaRPr lang="en-US"/>
-          </a:p>
-        </p:txBody>
-      </p:sp>
-    </p:spTree>
-    <p:extLst>
-      <p:ext uri="{BB962C8B-B14F-4D97-AF65-F5344CB8AC3E}">
-        <p14:creationId xmlns:p14="http://schemas.microsoft.com/office/powerpoint/2010/main" val="1579283386"/>
-      </p:ext>
-    </p:extLst>
-  </p:cSld>
-  <p:clrMapOvr>
-    <a:masterClrMapping/>
-  </p:clrMapOvr>
-</p:notes>
-</file>
-
-<file path=ppt/notesSlides/notesSlide7.xml><?xml version="1.0" encoding="utf-8"?>
+<file path=ppt/notesSlides/notesSlide5.xml><?xml version="1.0" encoding="utf-8"?>
 <p:notes xmlns:a="http://schemas.openxmlformats.org/drawingml/2006/main" xmlns:r="http://schemas.openxmlformats.org/officeDocument/2006/relationships" xmlns:p="http://schemas.openxmlformats.org/presentationml/2006/main">
   <p:cSld>
     <p:spTree>
@@ -1356,7 +1180,7 @@
                   <a:prstClr val="black"/>
                 </a:solidFill>
               </a:rPr>
-              <a:t>2/21/2019 10:22 PM</a:t>
+              <a:t>3/4/2019 3:01 PM</a:t>
             </a:fld>
             <a:endParaRPr lang="en-US" dirty="0">
               <a:solidFill>
@@ -1388,7 +1212,7 @@
                 </a:solidFill>
               </a:rPr>
               <a:pPr/>
-              <a:t>15</a:t>
+              <a:t>10</a:t>
             </a:fld>
             <a:endParaRPr lang="en-US" dirty="0">
               <a:solidFill>
@@ -11502,7 +11326,7 @@
             <a:fld id="{2E809A50-B28D-413A-915D-87F91E5248C6}" type="datetimeFigureOut">
               <a:rPr lang="en-US" smtClean="0"/>
               <a:pPr/>
-              <a:t>2/21/2019</a:t>
+              <a:t>3/4/2019</a:t>
             </a:fld>
             <a:endParaRPr lang="en-US"/>
           </a:p>
@@ -11689,7 +11513,7 @@
           <a:p>
             <a:fld id="{1279C872-40C5-4778-A459-913B2790679C}" type="datetimeFigureOut">
               <a:rPr lang="en-US" smtClean="0"/>
-              <a:t>2/21/2019</a:t>
+              <a:t>3/4/2019</a:t>
             </a:fld>
             <a:endParaRPr lang="en-US"/>
           </a:p>
@@ -11753,683 +11577,6 @@
     <p:extLst>
       <p:ext uri="{BB962C8B-B14F-4D97-AF65-F5344CB8AC3E}">
         <p14:creationId xmlns:p14="http://schemas.microsoft.com/office/powerpoint/2010/main" val="413498581"/>
-      </p:ext>
-    </p:extLst>
-  </p:cSld>
-  <p:clrMapOvr>
-    <a:masterClrMapping/>
-  </p:clrMapOvr>
-</p:sldLayout>
-</file>
-
-<file path=ppt/slideLayouts/slideLayout32.xml><?xml version="1.0" encoding="utf-8"?>
-<p:sldLayout xmlns:a="http://schemas.openxmlformats.org/drawingml/2006/main" xmlns:r="http://schemas.openxmlformats.org/officeDocument/2006/relationships" xmlns:p="http://schemas.openxmlformats.org/presentationml/2006/main" type="twoObj">
-  <p:cSld name="Two Content">
-    <p:spTree>
-      <p:nvGrpSpPr>
-        <p:cNvPr id="1" name=""/>
-        <p:cNvGrpSpPr/>
-        <p:nvPr/>
-      </p:nvGrpSpPr>
-      <p:grpSpPr>
-        <a:xfrm>
-          <a:off x="0" y="0"/>
-          <a:ext cx="0" cy="0"/>
-          <a:chOff x="0" y="0"/>
-          <a:chExt cx="0" cy="0"/>
-        </a:xfrm>
-      </p:grpSpPr>
-      <p:sp>
-        <p:nvSpPr>
-          <p:cNvPr id="2" name="Title 1">
-            <a:extLst>
-              <a:ext uri="{FF2B5EF4-FFF2-40B4-BE49-F238E27FC236}">
-                <a16:creationId xmlns:a16="http://schemas.microsoft.com/office/drawing/2014/main" id="{6C86E751-FF32-4C0E-B23D-E8A850169304}"/>
-              </a:ext>
-            </a:extLst>
-          </p:cNvPr>
-          <p:cNvSpPr>
-            <a:spLocks noGrp="1"/>
-          </p:cNvSpPr>
-          <p:nvPr>
-            <p:ph type="title"/>
-          </p:nvPr>
-        </p:nvSpPr>
-        <p:spPr/>
-        <p:txBody>
-          <a:bodyPr/>
-          <a:lstStyle/>
-          <a:p>
-            <a:r>
-              <a:rPr lang="en-US"/>
-              <a:t>Click to edit Master title style</a:t>
-            </a:r>
-          </a:p>
-        </p:txBody>
-      </p:sp>
-      <p:sp>
-        <p:nvSpPr>
-          <p:cNvPr id="3" name="Content Placeholder 2">
-            <a:extLst>
-              <a:ext uri="{FF2B5EF4-FFF2-40B4-BE49-F238E27FC236}">
-                <a16:creationId xmlns:a16="http://schemas.microsoft.com/office/drawing/2014/main" id="{B466D823-4ACC-4FFC-8058-F5FA9B0461BD}"/>
-              </a:ext>
-            </a:extLst>
-          </p:cNvPr>
-          <p:cNvSpPr>
-            <a:spLocks noGrp="1"/>
-          </p:cNvSpPr>
-          <p:nvPr>
-            <p:ph sz="half" idx="1"/>
-          </p:nvPr>
-        </p:nvSpPr>
-        <p:spPr>
-          <a:xfrm>
-            <a:off x="838200" y="1825625"/>
-            <a:ext cx="5181600" cy="4351338"/>
-          </a:xfrm>
-        </p:spPr>
-        <p:txBody>
-          <a:bodyPr/>
-          <a:lstStyle/>
-          <a:p>
-            <a:pPr lvl="0"/>
-            <a:r>
-              <a:rPr lang="en-US"/>
-              <a:t>Edit Master text styles</a:t>
-            </a:r>
-          </a:p>
-          <a:p>
-            <a:pPr lvl="1"/>
-            <a:r>
-              <a:rPr lang="en-US"/>
-              <a:t>Second level</a:t>
-            </a:r>
-          </a:p>
-          <a:p>
-            <a:pPr lvl="2"/>
-            <a:r>
-              <a:rPr lang="en-US"/>
-              <a:t>Third level</a:t>
-            </a:r>
-          </a:p>
-          <a:p>
-            <a:pPr lvl="3"/>
-            <a:r>
-              <a:rPr lang="en-US"/>
-              <a:t>Fourth level</a:t>
-            </a:r>
-          </a:p>
-          <a:p>
-            <a:pPr lvl="4"/>
-            <a:r>
-              <a:rPr lang="en-US"/>
-              <a:t>Fifth level</a:t>
-            </a:r>
-          </a:p>
-        </p:txBody>
-      </p:sp>
-      <p:sp>
-        <p:nvSpPr>
-          <p:cNvPr id="4" name="Content Placeholder 3">
-            <a:extLst>
-              <a:ext uri="{FF2B5EF4-FFF2-40B4-BE49-F238E27FC236}">
-                <a16:creationId xmlns:a16="http://schemas.microsoft.com/office/drawing/2014/main" id="{ACB4F94A-38F4-4D34-9DF4-1919343AB3CD}"/>
-              </a:ext>
-            </a:extLst>
-          </p:cNvPr>
-          <p:cNvSpPr>
-            <a:spLocks noGrp="1"/>
-          </p:cNvSpPr>
-          <p:nvPr>
-            <p:ph sz="half" idx="2"/>
-          </p:nvPr>
-        </p:nvSpPr>
-        <p:spPr>
-          <a:xfrm>
-            <a:off x="6172200" y="1825625"/>
-            <a:ext cx="5181600" cy="4351338"/>
-          </a:xfrm>
-        </p:spPr>
-        <p:txBody>
-          <a:bodyPr/>
-          <a:lstStyle/>
-          <a:p>
-            <a:pPr lvl="0"/>
-            <a:r>
-              <a:rPr lang="en-US"/>
-              <a:t>Edit Master text styles</a:t>
-            </a:r>
-          </a:p>
-          <a:p>
-            <a:pPr lvl="1"/>
-            <a:r>
-              <a:rPr lang="en-US"/>
-              <a:t>Second level</a:t>
-            </a:r>
-          </a:p>
-          <a:p>
-            <a:pPr lvl="2"/>
-            <a:r>
-              <a:rPr lang="en-US"/>
-              <a:t>Third level</a:t>
-            </a:r>
-          </a:p>
-          <a:p>
-            <a:pPr lvl="3"/>
-            <a:r>
-              <a:rPr lang="en-US"/>
-              <a:t>Fourth level</a:t>
-            </a:r>
-          </a:p>
-          <a:p>
-            <a:pPr lvl="4"/>
-            <a:r>
-              <a:rPr lang="en-US"/>
-              <a:t>Fifth level</a:t>
-            </a:r>
-          </a:p>
-        </p:txBody>
-      </p:sp>
-      <p:sp>
-        <p:nvSpPr>
-          <p:cNvPr id="5" name="Date Placeholder 4">
-            <a:extLst>
-              <a:ext uri="{FF2B5EF4-FFF2-40B4-BE49-F238E27FC236}">
-                <a16:creationId xmlns:a16="http://schemas.microsoft.com/office/drawing/2014/main" id="{B1921F6F-98C6-412B-8131-6DDD97AD81AF}"/>
-              </a:ext>
-            </a:extLst>
-          </p:cNvPr>
-          <p:cNvSpPr>
-            <a:spLocks noGrp="1"/>
-          </p:cNvSpPr>
-          <p:nvPr>
-            <p:ph type="dt" sz="half" idx="10"/>
-          </p:nvPr>
-        </p:nvSpPr>
-        <p:spPr/>
-        <p:txBody>
-          <a:bodyPr/>
-          <a:lstStyle/>
-          <a:p>
-            <a:fld id="{1279C872-40C5-4778-A459-913B2790679C}" type="datetimeFigureOut">
-              <a:rPr lang="en-US" smtClean="0"/>
-              <a:t>2/21/2019</a:t>
-            </a:fld>
-            <a:endParaRPr lang="en-US"/>
-          </a:p>
-        </p:txBody>
-      </p:sp>
-      <p:sp>
-        <p:nvSpPr>
-          <p:cNvPr id="6" name="Footer Placeholder 5">
-            <a:extLst>
-              <a:ext uri="{FF2B5EF4-FFF2-40B4-BE49-F238E27FC236}">
-                <a16:creationId xmlns:a16="http://schemas.microsoft.com/office/drawing/2014/main" id="{E1204D6B-FA1C-48DE-8CF1-3C1A80D7DEDE}"/>
-              </a:ext>
-            </a:extLst>
-          </p:cNvPr>
-          <p:cNvSpPr>
-            <a:spLocks noGrp="1"/>
-          </p:cNvSpPr>
-          <p:nvPr>
-            <p:ph type="ftr" sz="quarter" idx="11"/>
-          </p:nvPr>
-        </p:nvSpPr>
-        <p:spPr/>
-        <p:txBody>
-          <a:bodyPr/>
-          <a:lstStyle/>
-          <a:p>
-            <a:endParaRPr lang="en-US"/>
-          </a:p>
-        </p:txBody>
-      </p:sp>
-      <p:sp>
-        <p:nvSpPr>
-          <p:cNvPr id="7" name="Slide Number Placeholder 6">
-            <a:extLst>
-              <a:ext uri="{FF2B5EF4-FFF2-40B4-BE49-F238E27FC236}">
-                <a16:creationId xmlns:a16="http://schemas.microsoft.com/office/drawing/2014/main" id="{414A5F98-14B2-417B-82A7-965AB53F5B90}"/>
-              </a:ext>
-            </a:extLst>
-          </p:cNvPr>
-          <p:cNvSpPr>
-            <a:spLocks noGrp="1"/>
-          </p:cNvSpPr>
-          <p:nvPr>
-            <p:ph type="sldNum" sz="quarter" idx="12"/>
-          </p:nvPr>
-        </p:nvSpPr>
-        <p:spPr/>
-        <p:txBody>
-          <a:bodyPr/>
-          <a:lstStyle/>
-          <a:p>
-            <a:fld id="{A9750100-3570-4DE3-A91F-E57EAF767500}" type="slidenum">
-              <a:rPr lang="en-US" smtClean="0"/>
-              <a:t>‹#›</a:t>
-            </a:fld>
-            <a:endParaRPr lang="en-US"/>
-          </a:p>
-        </p:txBody>
-      </p:sp>
-    </p:spTree>
-    <p:extLst>
-      <p:ext uri="{BB962C8B-B14F-4D97-AF65-F5344CB8AC3E}">
-        <p14:creationId xmlns:p14="http://schemas.microsoft.com/office/powerpoint/2010/main" val="2238799010"/>
-      </p:ext>
-    </p:extLst>
-  </p:cSld>
-  <p:clrMapOvr>
-    <a:masterClrMapping/>
-  </p:clrMapOvr>
-</p:sldLayout>
-</file>
-
-<file path=ppt/slideLayouts/slideLayout33.xml><?xml version="1.0" encoding="utf-8"?>
-<p:sldLayout xmlns:a="http://schemas.openxmlformats.org/drawingml/2006/main" xmlns:r="http://schemas.openxmlformats.org/officeDocument/2006/relationships" xmlns:p="http://schemas.openxmlformats.org/presentationml/2006/main" type="twoTxTwoObj">
-  <p:cSld name="Comparison">
-    <p:spTree>
-      <p:nvGrpSpPr>
-        <p:cNvPr id="1" name=""/>
-        <p:cNvGrpSpPr/>
-        <p:nvPr/>
-      </p:nvGrpSpPr>
-      <p:grpSpPr>
-        <a:xfrm>
-          <a:off x="0" y="0"/>
-          <a:ext cx="0" cy="0"/>
-          <a:chOff x="0" y="0"/>
-          <a:chExt cx="0" cy="0"/>
-        </a:xfrm>
-      </p:grpSpPr>
-      <p:sp>
-        <p:nvSpPr>
-          <p:cNvPr id="2" name="Title 1">
-            <a:extLst>
-              <a:ext uri="{FF2B5EF4-FFF2-40B4-BE49-F238E27FC236}">
-                <a16:creationId xmlns:a16="http://schemas.microsoft.com/office/drawing/2014/main" id="{FBE05982-4128-4C74-A82F-6F0BF058E910}"/>
-              </a:ext>
-            </a:extLst>
-          </p:cNvPr>
-          <p:cNvSpPr>
-            <a:spLocks noGrp="1"/>
-          </p:cNvSpPr>
-          <p:nvPr>
-            <p:ph type="title"/>
-          </p:nvPr>
-        </p:nvSpPr>
-        <p:spPr>
-          <a:xfrm>
-            <a:off x="839788" y="365125"/>
-            <a:ext cx="10515600" cy="1325563"/>
-          </a:xfrm>
-        </p:spPr>
-        <p:txBody>
-          <a:bodyPr/>
-          <a:lstStyle/>
-          <a:p>
-            <a:r>
-              <a:rPr lang="en-US"/>
-              <a:t>Click to edit Master title style</a:t>
-            </a:r>
-          </a:p>
-        </p:txBody>
-      </p:sp>
-      <p:sp>
-        <p:nvSpPr>
-          <p:cNvPr id="3" name="Text Placeholder 2">
-            <a:extLst>
-              <a:ext uri="{FF2B5EF4-FFF2-40B4-BE49-F238E27FC236}">
-                <a16:creationId xmlns:a16="http://schemas.microsoft.com/office/drawing/2014/main" id="{0AFF7815-6F55-41D9-974B-EE38A502FCDB}"/>
-              </a:ext>
-            </a:extLst>
-          </p:cNvPr>
-          <p:cNvSpPr>
-            <a:spLocks noGrp="1"/>
-          </p:cNvSpPr>
-          <p:nvPr>
-            <p:ph type="body" idx="1"/>
-          </p:nvPr>
-        </p:nvSpPr>
-        <p:spPr>
-          <a:xfrm>
-            <a:off x="839788" y="1681163"/>
-            <a:ext cx="5157787" cy="823912"/>
-          </a:xfrm>
-        </p:spPr>
-        <p:txBody>
-          <a:bodyPr anchor="b"/>
-          <a:lstStyle>
-            <a:lvl1pPr marL="0" indent="0">
-              <a:buNone/>
-              <a:defRPr sz="2400" b="1"/>
-            </a:lvl1pPr>
-            <a:lvl2pPr marL="457200" indent="0">
-              <a:buNone/>
-              <a:defRPr sz="2000" b="1"/>
-            </a:lvl2pPr>
-            <a:lvl3pPr marL="914400" indent="0">
-              <a:buNone/>
-              <a:defRPr sz="1800" b="1"/>
-            </a:lvl3pPr>
-            <a:lvl4pPr marL="1371600" indent="0">
-              <a:buNone/>
-              <a:defRPr sz="1600" b="1"/>
-            </a:lvl4pPr>
-            <a:lvl5pPr marL="1828800" indent="0">
-              <a:buNone/>
-              <a:defRPr sz="1600" b="1"/>
-            </a:lvl5pPr>
-            <a:lvl6pPr marL="2286000" indent="0">
-              <a:buNone/>
-              <a:defRPr sz="1600" b="1"/>
-            </a:lvl6pPr>
-            <a:lvl7pPr marL="2743200" indent="0">
-              <a:buNone/>
-              <a:defRPr sz="1600" b="1"/>
-            </a:lvl7pPr>
-            <a:lvl8pPr marL="3200400" indent="0">
-              <a:buNone/>
-              <a:defRPr sz="1600" b="1"/>
-            </a:lvl8pPr>
-            <a:lvl9pPr marL="3657600" indent="0">
-              <a:buNone/>
-              <a:defRPr sz="1600" b="1"/>
-            </a:lvl9pPr>
-          </a:lstStyle>
-          <a:p>
-            <a:pPr lvl="0"/>
-            <a:r>
-              <a:rPr lang="en-US"/>
-              <a:t>Edit Master text styles</a:t>
-            </a:r>
-          </a:p>
-        </p:txBody>
-      </p:sp>
-      <p:sp>
-        <p:nvSpPr>
-          <p:cNvPr id="4" name="Content Placeholder 3">
-            <a:extLst>
-              <a:ext uri="{FF2B5EF4-FFF2-40B4-BE49-F238E27FC236}">
-                <a16:creationId xmlns:a16="http://schemas.microsoft.com/office/drawing/2014/main" id="{D2B98FC6-D6EB-4E66-9E44-3C23F16FB85D}"/>
-              </a:ext>
-            </a:extLst>
-          </p:cNvPr>
-          <p:cNvSpPr>
-            <a:spLocks noGrp="1"/>
-          </p:cNvSpPr>
-          <p:nvPr>
-            <p:ph sz="half" idx="2"/>
-          </p:nvPr>
-        </p:nvSpPr>
-        <p:spPr>
-          <a:xfrm>
-            <a:off x="839788" y="2505075"/>
-            <a:ext cx="5157787" cy="3684588"/>
-          </a:xfrm>
-        </p:spPr>
-        <p:txBody>
-          <a:bodyPr/>
-          <a:lstStyle/>
-          <a:p>
-            <a:pPr lvl="0"/>
-            <a:r>
-              <a:rPr lang="en-US"/>
-              <a:t>Edit Master text styles</a:t>
-            </a:r>
-          </a:p>
-          <a:p>
-            <a:pPr lvl="1"/>
-            <a:r>
-              <a:rPr lang="en-US"/>
-              <a:t>Second level</a:t>
-            </a:r>
-          </a:p>
-          <a:p>
-            <a:pPr lvl="2"/>
-            <a:r>
-              <a:rPr lang="en-US"/>
-              <a:t>Third level</a:t>
-            </a:r>
-          </a:p>
-          <a:p>
-            <a:pPr lvl="3"/>
-            <a:r>
-              <a:rPr lang="en-US"/>
-              <a:t>Fourth level</a:t>
-            </a:r>
-          </a:p>
-          <a:p>
-            <a:pPr lvl="4"/>
-            <a:r>
-              <a:rPr lang="en-US"/>
-              <a:t>Fifth level</a:t>
-            </a:r>
-          </a:p>
-        </p:txBody>
-      </p:sp>
-      <p:sp>
-        <p:nvSpPr>
-          <p:cNvPr id="5" name="Text Placeholder 4">
-            <a:extLst>
-              <a:ext uri="{FF2B5EF4-FFF2-40B4-BE49-F238E27FC236}">
-                <a16:creationId xmlns:a16="http://schemas.microsoft.com/office/drawing/2014/main" id="{B952DB83-BA9E-4755-9DAE-5D7142971AFE}"/>
-              </a:ext>
-            </a:extLst>
-          </p:cNvPr>
-          <p:cNvSpPr>
-            <a:spLocks noGrp="1"/>
-          </p:cNvSpPr>
-          <p:nvPr>
-            <p:ph type="body" sz="quarter" idx="3"/>
-          </p:nvPr>
-        </p:nvSpPr>
-        <p:spPr>
-          <a:xfrm>
-            <a:off x="6172200" y="1681163"/>
-            <a:ext cx="5183188" cy="823912"/>
-          </a:xfrm>
-        </p:spPr>
-        <p:txBody>
-          <a:bodyPr anchor="b"/>
-          <a:lstStyle>
-            <a:lvl1pPr marL="0" indent="0">
-              <a:buNone/>
-              <a:defRPr sz="2400" b="1"/>
-            </a:lvl1pPr>
-            <a:lvl2pPr marL="457200" indent="0">
-              <a:buNone/>
-              <a:defRPr sz="2000" b="1"/>
-            </a:lvl2pPr>
-            <a:lvl3pPr marL="914400" indent="0">
-              <a:buNone/>
-              <a:defRPr sz="1800" b="1"/>
-            </a:lvl3pPr>
-            <a:lvl4pPr marL="1371600" indent="0">
-              <a:buNone/>
-              <a:defRPr sz="1600" b="1"/>
-            </a:lvl4pPr>
-            <a:lvl5pPr marL="1828800" indent="0">
-              <a:buNone/>
-              <a:defRPr sz="1600" b="1"/>
-            </a:lvl5pPr>
-            <a:lvl6pPr marL="2286000" indent="0">
-              <a:buNone/>
-              <a:defRPr sz="1600" b="1"/>
-            </a:lvl6pPr>
-            <a:lvl7pPr marL="2743200" indent="0">
-              <a:buNone/>
-              <a:defRPr sz="1600" b="1"/>
-            </a:lvl7pPr>
-            <a:lvl8pPr marL="3200400" indent="0">
-              <a:buNone/>
-              <a:defRPr sz="1600" b="1"/>
-            </a:lvl8pPr>
-            <a:lvl9pPr marL="3657600" indent="0">
-              <a:buNone/>
-              <a:defRPr sz="1600" b="1"/>
-            </a:lvl9pPr>
-          </a:lstStyle>
-          <a:p>
-            <a:pPr lvl="0"/>
-            <a:r>
-              <a:rPr lang="en-US"/>
-              <a:t>Edit Master text styles</a:t>
-            </a:r>
-          </a:p>
-        </p:txBody>
-      </p:sp>
-      <p:sp>
-        <p:nvSpPr>
-          <p:cNvPr id="6" name="Content Placeholder 5">
-            <a:extLst>
-              <a:ext uri="{FF2B5EF4-FFF2-40B4-BE49-F238E27FC236}">
-                <a16:creationId xmlns:a16="http://schemas.microsoft.com/office/drawing/2014/main" id="{48AC0E1F-988F-49C2-BADE-8A6C0F94A8A6}"/>
-              </a:ext>
-            </a:extLst>
-          </p:cNvPr>
-          <p:cNvSpPr>
-            <a:spLocks noGrp="1"/>
-          </p:cNvSpPr>
-          <p:nvPr>
-            <p:ph sz="quarter" idx="4"/>
-          </p:nvPr>
-        </p:nvSpPr>
-        <p:spPr>
-          <a:xfrm>
-            <a:off x="6172200" y="2505075"/>
-            <a:ext cx="5183188" cy="3684588"/>
-          </a:xfrm>
-        </p:spPr>
-        <p:txBody>
-          <a:bodyPr/>
-          <a:lstStyle/>
-          <a:p>
-            <a:pPr lvl="0"/>
-            <a:r>
-              <a:rPr lang="en-US"/>
-              <a:t>Edit Master text styles</a:t>
-            </a:r>
-          </a:p>
-          <a:p>
-            <a:pPr lvl="1"/>
-            <a:r>
-              <a:rPr lang="en-US"/>
-              <a:t>Second level</a:t>
-            </a:r>
-          </a:p>
-          <a:p>
-            <a:pPr lvl="2"/>
-            <a:r>
-              <a:rPr lang="en-US"/>
-              <a:t>Third level</a:t>
-            </a:r>
-          </a:p>
-          <a:p>
-            <a:pPr lvl="3"/>
-            <a:r>
-              <a:rPr lang="en-US"/>
-              <a:t>Fourth level</a:t>
-            </a:r>
-          </a:p>
-          <a:p>
-            <a:pPr lvl="4"/>
-            <a:r>
-              <a:rPr lang="en-US"/>
-              <a:t>Fifth level</a:t>
-            </a:r>
-          </a:p>
-        </p:txBody>
-      </p:sp>
-      <p:sp>
-        <p:nvSpPr>
-          <p:cNvPr id="7" name="Date Placeholder 6">
-            <a:extLst>
-              <a:ext uri="{FF2B5EF4-FFF2-40B4-BE49-F238E27FC236}">
-                <a16:creationId xmlns:a16="http://schemas.microsoft.com/office/drawing/2014/main" id="{E9F937FE-B24B-43F8-AA79-6E6EEA685A25}"/>
-              </a:ext>
-            </a:extLst>
-          </p:cNvPr>
-          <p:cNvSpPr>
-            <a:spLocks noGrp="1"/>
-          </p:cNvSpPr>
-          <p:nvPr>
-            <p:ph type="dt" sz="half" idx="10"/>
-          </p:nvPr>
-        </p:nvSpPr>
-        <p:spPr/>
-        <p:txBody>
-          <a:bodyPr/>
-          <a:lstStyle/>
-          <a:p>
-            <a:fld id="{1279C872-40C5-4778-A459-913B2790679C}" type="datetimeFigureOut">
-              <a:rPr lang="en-US" smtClean="0"/>
-              <a:t>2/21/2019</a:t>
-            </a:fld>
-            <a:endParaRPr lang="en-US"/>
-          </a:p>
-        </p:txBody>
-      </p:sp>
-      <p:sp>
-        <p:nvSpPr>
-          <p:cNvPr id="8" name="Footer Placeholder 7">
-            <a:extLst>
-              <a:ext uri="{FF2B5EF4-FFF2-40B4-BE49-F238E27FC236}">
-                <a16:creationId xmlns:a16="http://schemas.microsoft.com/office/drawing/2014/main" id="{68827D29-E907-475D-95CD-8A4ECF082A5C}"/>
-              </a:ext>
-            </a:extLst>
-          </p:cNvPr>
-          <p:cNvSpPr>
-            <a:spLocks noGrp="1"/>
-          </p:cNvSpPr>
-          <p:nvPr>
-            <p:ph type="ftr" sz="quarter" idx="11"/>
-          </p:nvPr>
-        </p:nvSpPr>
-        <p:spPr/>
-        <p:txBody>
-          <a:bodyPr/>
-          <a:lstStyle/>
-          <a:p>
-            <a:endParaRPr lang="en-US"/>
-          </a:p>
-        </p:txBody>
-      </p:sp>
-      <p:sp>
-        <p:nvSpPr>
-          <p:cNvPr id="9" name="Slide Number Placeholder 8">
-            <a:extLst>
-              <a:ext uri="{FF2B5EF4-FFF2-40B4-BE49-F238E27FC236}">
-                <a16:creationId xmlns:a16="http://schemas.microsoft.com/office/drawing/2014/main" id="{B5F2C0BF-BBC3-41FF-9520-E5229089E22B}"/>
-              </a:ext>
-            </a:extLst>
-          </p:cNvPr>
-          <p:cNvSpPr>
-            <a:spLocks noGrp="1"/>
-          </p:cNvSpPr>
-          <p:nvPr>
-            <p:ph type="sldNum" sz="quarter" idx="12"/>
-          </p:nvPr>
-        </p:nvSpPr>
-        <p:spPr/>
-        <p:txBody>
-          <a:bodyPr/>
-          <a:lstStyle/>
-          <a:p>
-            <a:fld id="{A9750100-3570-4DE3-A91F-E57EAF767500}" type="slidenum">
-              <a:rPr lang="en-US" smtClean="0"/>
-              <a:t>‹#›</a:t>
-            </a:fld>
-            <a:endParaRPr lang="en-US"/>
-          </a:p>
-        </p:txBody>
-      </p:sp>
-    </p:spTree>
-    <p:extLst>
-      <p:ext uri="{BB962C8B-B14F-4D97-AF65-F5344CB8AC3E}">
-        <p14:creationId xmlns:p14="http://schemas.microsoft.com/office/powerpoint/2010/main" val="2071891957"/>
       </p:ext>
     </p:extLst>
   </p:cSld>
@@ -14106,8 +13253,6 @@
     <p:sldLayoutId id="2147483683" r:id="rId18"/>
     <p:sldLayoutId id="2147483693" r:id="rId19"/>
     <p:sldLayoutId id="2147483694" r:id="rId20"/>
-    <p:sldLayoutId id="2147483695" r:id="rId21"/>
-    <p:sldLayoutId id="2147483696" r:id="rId22"/>
   </p:sldLayoutIdLst>
   <p:transition>
     <p:fade/>
@@ -14720,1138 +13865,6 @@
 <file path=ppt/slides/slide10.xml><?xml version="1.0" encoding="utf-8"?>
 <p:sld xmlns:a="http://schemas.openxmlformats.org/drawingml/2006/main" xmlns:r="http://schemas.openxmlformats.org/officeDocument/2006/relationships" xmlns:p="http://schemas.openxmlformats.org/presentationml/2006/main">
   <p:cSld>
-    <p:spTree>
-      <p:nvGrpSpPr>
-        <p:cNvPr id="1" name=""/>
-        <p:cNvGrpSpPr/>
-        <p:nvPr/>
-      </p:nvGrpSpPr>
-      <p:grpSpPr>
-        <a:xfrm>
-          <a:off x="0" y="0"/>
-          <a:ext cx="0" cy="0"/>
-          <a:chOff x="0" y="0"/>
-          <a:chExt cx="0" cy="0"/>
-        </a:xfrm>
-      </p:grpSpPr>
-      <p:sp>
-        <p:nvSpPr>
-          <p:cNvPr id="2" name="Title 1">
-            <a:extLst>
-              <a:ext uri="{FF2B5EF4-FFF2-40B4-BE49-F238E27FC236}">
-                <a16:creationId xmlns:a16="http://schemas.microsoft.com/office/drawing/2014/main" id="{9BE05351-2724-4E97-86E0-2B4B45DBA7E5}"/>
-              </a:ext>
-            </a:extLst>
-          </p:cNvPr>
-          <p:cNvSpPr>
-            <a:spLocks noGrp="1"/>
-          </p:cNvSpPr>
-          <p:nvPr>
-            <p:ph type="title"/>
-          </p:nvPr>
-        </p:nvSpPr>
-        <p:spPr>
-          <a:xfrm>
-            <a:off x="648929" y="629266"/>
-            <a:ext cx="3505495" cy="1622321"/>
-          </a:xfrm>
-        </p:spPr>
-        <p:txBody>
-          <a:bodyPr vert="horz" lIns="91440" tIns="45720" rIns="91440" bIns="45720" rtlCol="0" anchor="ctr">
-            <a:normAutofit/>
-          </a:bodyPr>
-          <a:lstStyle/>
-          <a:p>
-            <a:r>
-              <a:rPr lang="en-US" kern="1200">
-                <a:solidFill>
-                  <a:schemeClr val="tx1"/>
-                </a:solidFill>
-                <a:latin typeface="+mn-lt"/>
-                <a:ea typeface="+mj-ea"/>
-                <a:cs typeface="+mj-cs"/>
-              </a:rPr>
-              <a:t>Third Party Embedding</a:t>
-            </a:r>
-          </a:p>
-        </p:txBody>
-      </p:sp>
-      <p:sp>
-        <p:nvSpPr>
-          <p:cNvPr id="3" name="Content Placeholder 2">
-            <a:extLst>
-              <a:ext uri="{FF2B5EF4-FFF2-40B4-BE49-F238E27FC236}">
-                <a16:creationId xmlns:a16="http://schemas.microsoft.com/office/drawing/2014/main" id="{828CFE44-D3D4-4AEA-9007-95FC2C08EAA5}"/>
-              </a:ext>
-            </a:extLst>
-          </p:cNvPr>
-          <p:cNvSpPr>
-            <a:spLocks noGrp="1"/>
-          </p:cNvSpPr>
-          <p:nvPr>
-            <p:ph sz="half" idx="1"/>
-          </p:nvPr>
-        </p:nvSpPr>
-        <p:spPr>
-          <a:xfrm>
-            <a:off x="648931" y="2438400"/>
-            <a:ext cx="3505494" cy="3785419"/>
-          </a:xfrm>
-        </p:spPr>
-        <p:txBody>
-          <a:bodyPr vert="horz" lIns="91440" tIns="45720" rIns="91440" bIns="45720" rtlCol="0">
-            <a:normAutofit/>
-          </a:bodyPr>
-          <a:lstStyle/>
-          <a:p>
-            <a:r>
-              <a:rPr lang="en-US" sz="1700" b="1"/>
-              <a:t>App authenticates using Master User Account</a:t>
-            </a:r>
-          </a:p>
-          <a:p>
-            <a:pPr marL="800100" lvl="1"/>
-            <a:r>
-              <a:rPr lang="en-US" sz="1700" spc="200"/>
-              <a:t>Your code accesses Power BI Service as master user</a:t>
-            </a:r>
-          </a:p>
-          <a:p>
-            <a:pPr marL="800100" lvl="1"/>
-            <a:r>
-              <a:rPr lang="en-US" sz="1700" spc="200"/>
-              <a:t>Embedding uses embed token instead of access token</a:t>
-            </a:r>
-          </a:p>
-          <a:p>
-            <a:pPr marL="800100" lvl="1"/>
-            <a:r>
-              <a:rPr lang="en-US" sz="1700" spc="200"/>
-              <a:t>Users don’t need AAD accounts and Power BI licenses</a:t>
-            </a:r>
-          </a:p>
-          <a:p>
-            <a:pPr marL="800100" lvl="1"/>
-            <a:r>
-              <a:rPr lang="en-US" sz="1700" spc="200"/>
-              <a:t>Your code has access to whatever master has access to</a:t>
-            </a:r>
-          </a:p>
-        </p:txBody>
-      </p:sp>
-      <p:pic>
-        <p:nvPicPr>
-          <p:cNvPr id="7" name="Content Placeholder 6">
-            <a:extLst>
-              <a:ext uri="{FF2B5EF4-FFF2-40B4-BE49-F238E27FC236}">
-                <a16:creationId xmlns:a16="http://schemas.microsoft.com/office/drawing/2014/main" id="{9B8DF230-80D9-427B-B0C9-30FFC1C23C0B}"/>
-              </a:ext>
-            </a:extLst>
-          </p:cNvPr>
-          <p:cNvPicPr>
-            <a:picLocks noGrp="1" noChangeAspect="1"/>
-          </p:cNvPicPr>
-          <p:nvPr>
-            <p:ph sz="half" idx="2"/>
-          </p:nvPr>
-        </p:nvPicPr>
-        <p:blipFill>
-          <a:blip r:embed="rId2"/>
-          <a:stretch>
-            <a:fillRect/>
-          </a:stretch>
-        </p:blipFill>
-        <p:spPr>
-          <a:xfrm>
-            <a:off x="5608319" y="2393602"/>
-            <a:ext cx="5614835" cy="1917576"/>
-          </a:xfrm>
-          <a:prstGeom prst="rect">
-            <a:avLst/>
-          </a:prstGeom>
-          <a:effectLst/>
-        </p:spPr>
-      </p:pic>
-    </p:spTree>
-    <p:extLst>
-      <p:ext uri="{BB962C8B-B14F-4D97-AF65-F5344CB8AC3E}">
-        <p14:creationId xmlns:p14="http://schemas.microsoft.com/office/powerpoint/2010/main" val="893466603"/>
-      </p:ext>
-    </p:extLst>
-  </p:cSld>
-  <p:clrMapOvr>
-    <a:masterClrMapping/>
-  </p:clrMapOvr>
-</p:sld>
-</file>
-
-<file path=ppt/slides/slide11.xml><?xml version="1.0" encoding="utf-8"?>
-<p:sld xmlns:a="http://schemas.openxmlformats.org/drawingml/2006/main" xmlns:r="http://schemas.openxmlformats.org/officeDocument/2006/relationships" xmlns:p="http://schemas.openxmlformats.org/presentationml/2006/main">
-  <p:cSld>
-    <p:spTree>
-      <p:nvGrpSpPr>
-        <p:cNvPr id="1" name=""/>
-        <p:cNvGrpSpPr/>
-        <p:nvPr/>
-      </p:nvGrpSpPr>
-      <p:grpSpPr>
-        <a:xfrm>
-          <a:off x="0" y="0"/>
-          <a:ext cx="0" cy="0"/>
-          <a:chOff x="0" y="0"/>
-          <a:chExt cx="0" cy="0"/>
-        </a:xfrm>
-      </p:grpSpPr>
-      <p:sp>
-        <p:nvSpPr>
-          <p:cNvPr id="2" name="Title 1">
-            <a:extLst>
-              <a:ext uri="{FF2B5EF4-FFF2-40B4-BE49-F238E27FC236}">
-                <a16:creationId xmlns:a16="http://schemas.microsoft.com/office/drawing/2014/main" id="{47DB6BCE-0FF3-4CAA-B503-44F614D48538}"/>
-              </a:ext>
-            </a:extLst>
-          </p:cNvPr>
-          <p:cNvSpPr>
-            <a:spLocks noGrp="1"/>
-          </p:cNvSpPr>
-          <p:nvPr>
-            <p:ph type="title"/>
-          </p:nvPr>
-        </p:nvSpPr>
-        <p:spPr/>
-        <p:txBody>
-          <a:bodyPr/>
-          <a:lstStyle/>
-          <a:p>
-            <a:r>
-              <a:rPr lang="en-US" dirty="0">
-                <a:latin typeface="+mn-lt"/>
-              </a:rPr>
-              <a:t>First Party vs Third Party Embedding</a:t>
-            </a:r>
-          </a:p>
-        </p:txBody>
-      </p:sp>
-      <p:sp>
-        <p:nvSpPr>
-          <p:cNvPr id="3" name="Text Placeholder 2">
-            <a:extLst>
-              <a:ext uri="{FF2B5EF4-FFF2-40B4-BE49-F238E27FC236}">
-                <a16:creationId xmlns:a16="http://schemas.microsoft.com/office/drawing/2014/main" id="{8E61C59B-7135-44A5-BDA5-915623729B3F}"/>
-              </a:ext>
-            </a:extLst>
-          </p:cNvPr>
-          <p:cNvSpPr>
-            <a:spLocks noGrp="1"/>
-          </p:cNvSpPr>
-          <p:nvPr>
-            <p:ph type="body" idx="1"/>
-          </p:nvPr>
-        </p:nvSpPr>
-        <p:spPr/>
-        <p:txBody>
-          <a:bodyPr/>
-          <a:lstStyle/>
-          <a:p>
-            <a:r>
-              <a:rPr lang="en-US" dirty="0"/>
-              <a:t>What scenarios use first party embedding?</a:t>
-            </a:r>
-          </a:p>
-        </p:txBody>
-      </p:sp>
-      <p:sp>
-        <p:nvSpPr>
-          <p:cNvPr id="4" name="Content Placeholder 3">
-            <a:extLst>
-              <a:ext uri="{FF2B5EF4-FFF2-40B4-BE49-F238E27FC236}">
-                <a16:creationId xmlns:a16="http://schemas.microsoft.com/office/drawing/2014/main" id="{BFC68C1C-0B2A-440E-962D-C5C0F542E8EB}"/>
-              </a:ext>
-            </a:extLst>
-          </p:cNvPr>
-          <p:cNvSpPr>
-            <a:spLocks noGrp="1"/>
-          </p:cNvSpPr>
-          <p:nvPr>
-            <p:ph sz="half" idx="2"/>
-          </p:nvPr>
-        </p:nvSpPr>
-        <p:spPr/>
-        <p:txBody>
-          <a:bodyPr/>
-          <a:lstStyle/>
-          <a:p>
-            <a:pPr marL="384048" lvl="1" indent="-182880">
-              <a:buFont typeface="Calibri" pitchFamily="34" charset="0"/>
-              <a:buChar char="◦"/>
-            </a:pPr>
-            <a:r>
-              <a:rPr lang="en-US" sz="2000" dirty="0">
-                <a:solidFill>
-                  <a:schemeClr val="tx2"/>
-                </a:solidFill>
-              </a:rPr>
-              <a:t>Organizations where users have Power BI licenses</a:t>
-            </a:r>
-          </a:p>
-          <a:p>
-            <a:pPr marL="384048" lvl="1" indent="-182880">
-              <a:buFont typeface="Calibri" pitchFamily="34" charset="0"/>
-              <a:buChar char="◦"/>
-            </a:pPr>
-            <a:r>
-              <a:rPr lang="en-US" sz="2000" dirty="0">
-                <a:solidFill>
-                  <a:schemeClr val="tx2"/>
-                </a:solidFill>
-              </a:rPr>
-              <a:t>Embedding Power BI reports in SharePoint and Teams</a:t>
-            </a:r>
-          </a:p>
-          <a:p>
-            <a:pPr marL="384048" lvl="1" indent="-182880">
-              <a:buFont typeface="Calibri" pitchFamily="34" charset="0"/>
-              <a:buChar char="◦"/>
-            </a:pPr>
-            <a:r>
-              <a:rPr lang="en-US" sz="2000" dirty="0">
-                <a:solidFill>
-                  <a:schemeClr val="tx2"/>
-                </a:solidFill>
-              </a:rPr>
-              <a:t>Development should go beyond out-of-box experience</a:t>
-            </a:r>
-          </a:p>
-          <a:p>
-            <a:endParaRPr lang="en-US" dirty="0"/>
-          </a:p>
-        </p:txBody>
-      </p:sp>
-      <p:sp>
-        <p:nvSpPr>
-          <p:cNvPr id="5" name="Text Placeholder 4">
-            <a:extLst>
-              <a:ext uri="{FF2B5EF4-FFF2-40B4-BE49-F238E27FC236}">
-                <a16:creationId xmlns:a16="http://schemas.microsoft.com/office/drawing/2014/main" id="{D4636895-B908-49D1-9DFF-A2841D9A409D}"/>
-              </a:ext>
-            </a:extLst>
-          </p:cNvPr>
-          <p:cNvSpPr>
-            <a:spLocks noGrp="1"/>
-          </p:cNvSpPr>
-          <p:nvPr>
-            <p:ph type="body" sz="quarter" idx="3"/>
-          </p:nvPr>
-        </p:nvSpPr>
-        <p:spPr/>
-        <p:txBody>
-          <a:bodyPr/>
-          <a:lstStyle/>
-          <a:p>
-            <a:r>
-              <a:rPr lang="en-US" dirty="0">
-                <a:solidFill>
-                  <a:schemeClr val="tx2"/>
-                </a:solidFill>
-              </a:rPr>
-              <a:t>What scenarios use third party embedding?</a:t>
-            </a:r>
-          </a:p>
-        </p:txBody>
-      </p:sp>
-      <p:sp>
-        <p:nvSpPr>
-          <p:cNvPr id="6" name="Content Placeholder 5">
-            <a:extLst>
-              <a:ext uri="{FF2B5EF4-FFF2-40B4-BE49-F238E27FC236}">
-                <a16:creationId xmlns:a16="http://schemas.microsoft.com/office/drawing/2014/main" id="{976746D2-A84C-4140-86F3-48477DBF59B3}"/>
-              </a:ext>
-            </a:extLst>
-          </p:cNvPr>
-          <p:cNvSpPr>
-            <a:spLocks noGrp="1"/>
-          </p:cNvSpPr>
-          <p:nvPr>
-            <p:ph sz="quarter" idx="4"/>
-          </p:nvPr>
-        </p:nvSpPr>
-        <p:spPr/>
-        <p:txBody>
-          <a:bodyPr/>
-          <a:lstStyle/>
-          <a:p>
-            <a:pPr marL="384048" lvl="1" indent="-182880">
-              <a:buFont typeface="Calibri" pitchFamily="34" charset="0"/>
-              <a:buChar char="◦"/>
-            </a:pPr>
-            <a:r>
-              <a:rPr lang="en-US" sz="2000" dirty="0">
-                <a:solidFill>
-                  <a:schemeClr val="tx2"/>
-                </a:solidFill>
-              </a:rPr>
-              <a:t>Scenarios where users don’t have Power BI licenses</a:t>
-            </a:r>
-          </a:p>
-          <a:p>
-            <a:pPr marL="384048" lvl="1" indent="-182880">
-              <a:buFont typeface="Calibri" pitchFamily="34" charset="0"/>
-              <a:buChar char="◦"/>
-            </a:pPr>
-            <a:r>
-              <a:rPr lang="en-US" sz="2000" dirty="0">
-                <a:solidFill>
-                  <a:schemeClr val="tx2"/>
-                </a:solidFill>
-              </a:rPr>
-              <a:t>Applications which have custom identity providers</a:t>
-            </a:r>
-          </a:p>
-          <a:p>
-            <a:pPr marL="384048" lvl="1" indent="-182880">
-              <a:buFont typeface="Calibri" pitchFamily="34" charset="0"/>
-              <a:buChar char="◦"/>
-            </a:pPr>
-            <a:r>
-              <a:rPr lang="en-US" sz="2000" dirty="0">
-                <a:solidFill>
-                  <a:schemeClr val="tx2"/>
-                </a:solidFill>
-              </a:rPr>
-              <a:t>Applications which use identity provider other than AAD</a:t>
-            </a:r>
-          </a:p>
-        </p:txBody>
-      </p:sp>
-    </p:spTree>
-    <p:extLst>
-      <p:ext uri="{BB962C8B-B14F-4D97-AF65-F5344CB8AC3E}">
-        <p14:creationId xmlns:p14="http://schemas.microsoft.com/office/powerpoint/2010/main" val="998052266"/>
-      </p:ext>
-    </p:extLst>
-  </p:cSld>
-  <p:clrMapOvr>
-    <a:masterClrMapping/>
-  </p:clrMapOvr>
-</p:sld>
-</file>
-
-<file path=ppt/slides/slide12.xml><?xml version="1.0" encoding="utf-8"?>
-<p:sld xmlns:a="http://schemas.openxmlformats.org/drawingml/2006/main" xmlns:r="http://schemas.openxmlformats.org/officeDocument/2006/relationships" xmlns:p="http://schemas.openxmlformats.org/presentationml/2006/main">
-  <p:cSld>
-    <p:spTree>
-      <p:nvGrpSpPr>
-        <p:cNvPr id="1" name=""/>
-        <p:cNvGrpSpPr/>
-        <p:nvPr/>
-      </p:nvGrpSpPr>
-      <p:grpSpPr>
-        <a:xfrm>
-          <a:off x="0" y="0"/>
-          <a:ext cx="0" cy="0"/>
-          <a:chOff x="0" y="0"/>
-          <a:chExt cx="0" cy="0"/>
-        </a:xfrm>
-      </p:grpSpPr>
-      <p:sp>
-        <p:nvSpPr>
-          <p:cNvPr id="7" name="Title 6">
-            <a:extLst>
-              <a:ext uri="{FF2B5EF4-FFF2-40B4-BE49-F238E27FC236}">
-                <a16:creationId xmlns:a16="http://schemas.microsoft.com/office/drawing/2014/main" id="{7140589E-7C49-40CE-8F0B-E88E616A5339}"/>
-              </a:ext>
-            </a:extLst>
-          </p:cNvPr>
-          <p:cNvSpPr>
-            <a:spLocks noGrp="1"/>
-          </p:cNvSpPr>
-          <p:nvPr>
-            <p:ph type="title"/>
-          </p:nvPr>
-        </p:nvSpPr>
-        <p:spPr>
-          <a:xfrm>
-            <a:off x="838200" y="365125"/>
-            <a:ext cx="10515600" cy="1325563"/>
-          </a:xfrm>
-        </p:spPr>
-        <p:txBody>
-          <a:bodyPr vert="horz" lIns="91440" tIns="45720" rIns="91440" bIns="45720" rtlCol="0" anchor="ctr">
-            <a:normAutofit fontScale="90000"/>
-          </a:bodyPr>
-          <a:lstStyle/>
-          <a:p>
-            <a:r>
-              <a:rPr lang="en-US" kern="1200">
-                <a:solidFill>
-                  <a:schemeClr val="tx1"/>
-                </a:solidFill>
-                <a:latin typeface="+mn-lt"/>
-                <a:ea typeface="+mj-ea"/>
-                <a:cs typeface="+mj-cs"/>
-              </a:rPr>
-              <a:t>First Party vs Third Party Embedding Cont…</a:t>
-            </a:r>
-          </a:p>
-        </p:txBody>
-      </p:sp>
-      <p:graphicFrame>
-        <p:nvGraphicFramePr>
-          <p:cNvPr id="11" name="Table Placeholder 4">
-            <a:extLst>
-              <a:ext uri="{FF2B5EF4-FFF2-40B4-BE49-F238E27FC236}">
-                <a16:creationId xmlns:a16="http://schemas.microsoft.com/office/drawing/2014/main" id="{D2F57F2A-CB73-43D6-AC45-5B4661F367D9}"/>
-              </a:ext>
-            </a:extLst>
-          </p:cNvPr>
-          <p:cNvGraphicFramePr>
-            <a:graphicFrameLocks/>
-          </p:cNvGraphicFramePr>
-          <p:nvPr>
-            <p:extLst/>
-          </p:nvPr>
-        </p:nvGraphicFramePr>
-        <p:xfrm>
-          <a:off x="1158240" y="2467758"/>
-          <a:ext cx="9875521" cy="3084539"/>
-        </p:xfrm>
-        <a:graphic>
-          <a:graphicData uri="http://schemas.openxmlformats.org/drawingml/2006/table">
-            <a:tbl>
-              <a:tblPr firstRow="1" bandRow="1">
-                <a:tableStyleId>{9D7B26C5-4107-4FEC-AEDC-1716B250A1EF}</a:tableStyleId>
-              </a:tblPr>
-              <a:tblGrid>
-                <a:gridCol w="3964077">
-                  <a:extLst>
-                    <a:ext uri="{9D8B030D-6E8A-4147-A177-3AD203B41FA5}">
-                      <a16:colId xmlns:a16="http://schemas.microsoft.com/office/drawing/2014/main" val="3869438709"/>
-                    </a:ext>
-                  </a:extLst>
-                </a:gridCol>
-                <a:gridCol w="3395981">
-                  <a:extLst>
-                    <a:ext uri="{9D8B030D-6E8A-4147-A177-3AD203B41FA5}">
-                      <a16:colId xmlns:a16="http://schemas.microsoft.com/office/drawing/2014/main" val="403614566"/>
-                    </a:ext>
-                  </a:extLst>
-                </a:gridCol>
-                <a:gridCol w="2515463">
-                  <a:extLst>
-                    <a:ext uri="{9D8B030D-6E8A-4147-A177-3AD203B41FA5}">
-                      <a16:colId xmlns:a16="http://schemas.microsoft.com/office/drawing/2014/main" val="1164080302"/>
-                    </a:ext>
-                  </a:extLst>
-                </a:gridCol>
-              </a:tblGrid>
-              <a:tr h="403837">
-                <a:tc>
-                  <a:txBody>
-                    <a:bodyPr/>
-                    <a:lstStyle/>
-                    <a:p>
-                      <a:endParaRPr lang="en-US" sz="1700"/>
-                    </a:p>
-                  </a:txBody>
-                  <a:tcPr marL="111799" marR="111799" marT="55899" marB="55899"/>
-                </a:tc>
-                <a:tc>
-                  <a:txBody>
-                    <a:bodyPr/>
-                    <a:lstStyle/>
-                    <a:p>
-                      <a:r>
-                        <a:rPr lang="en-US" sz="1700"/>
-                        <a:t>1st Part Embedding</a:t>
-                      </a:r>
-                    </a:p>
-                  </a:txBody>
-                  <a:tcPr marL="111799" marR="111799" marT="55899" marB="55899"/>
-                </a:tc>
-                <a:tc>
-                  <a:txBody>
-                    <a:bodyPr/>
-                    <a:lstStyle/>
-                    <a:p>
-                      <a:r>
-                        <a:rPr lang="en-US" sz="1700"/>
-                        <a:t>3rd Party Embedding</a:t>
-                      </a:r>
-                    </a:p>
-                  </a:txBody>
-                  <a:tcPr marL="111799" marR="111799" marT="55899" marB="55899"/>
-                </a:tc>
-                <a:extLst>
-                  <a:ext uri="{0D108BD9-81ED-4DB2-BD59-A6C34878D82A}">
-                    <a16:rowId xmlns:a16="http://schemas.microsoft.com/office/drawing/2014/main" val="3304265721"/>
-                  </a:ext>
-                </a:extLst>
-              </a:tr>
-              <a:tr h="661517">
-                <a:tc>
-                  <a:txBody>
-                    <a:bodyPr/>
-                    <a:lstStyle/>
-                    <a:p>
-                      <a:r>
-                        <a:rPr lang="en-US" sz="1700" dirty="0"/>
-                        <a:t>Authentication flow</a:t>
-                      </a:r>
-                    </a:p>
-                  </a:txBody>
-                  <a:tcPr marL="111799" marR="111799" marT="55899" marB="55899"/>
-                </a:tc>
-                <a:tc>
-                  <a:txBody>
-                    <a:bodyPr/>
-                    <a:lstStyle/>
-                    <a:p>
-                      <a:r>
-                        <a:rPr lang="en-US" sz="1700"/>
-                        <a:t>Authentication Code Grant Flow or Implicit Flow</a:t>
-                      </a:r>
-                    </a:p>
-                  </a:txBody>
-                  <a:tcPr marL="111799" marR="111799" marT="55899" marB="55899"/>
-                </a:tc>
-                <a:tc>
-                  <a:txBody>
-                    <a:bodyPr/>
-                    <a:lstStyle/>
-                    <a:p>
-                      <a:r>
-                        <a:rPr lang="en-US" sz="1700"/>
-                        <a:t>Direct User Credentials</a:t>
-                      </a:r>
-                    </a:p>
-                  </a:txBody>
-                  <a:tcPr marL="111799" marR="111799" marT="55899" marB="55899"/>
-                </a:tc>
-                <a:extLst>
-                  <a:ext uri="{0D108BD9-81ED-4DB2-BD59-A6C34878D82A}">
-                    <a16:rowId xmlns:a16="http://schemas.microsoft.com/office/drawing/2014/main" val="2858219577"/>
-                  </a:ext>
-                </a:extLst>
-              </a:tr>
-              <a:tr h="403837">
-                <a:tc>
-                  <a:txBody>
-                    <a:bodyPr/>
-                    <a:lstStyle/>
-                    <a:p>
-                      <a:r>
-                        <a:rPr lang="en-US" sz="1700"/>
-                        <a:t>I</a:t>
-                      </a:r>
-                      <a:r>
-                        <a:rPr lang="en-US" sz="1700" baseline="0"/>
-                        <a:t>dentity used to call Power BI</a:t>
-                      </a:r>
-                      <a:endParaRPr lang="en-US" sz="1700"/>
-                    </a:p>
-                  </a:txBody>
-                  <a:tcPr marL="111799" marR="111799" marT="55899" marB="55899"/>
-                </a:tc>
-                <a:tc>
-                  <a:txBody>
-                    <a:bodyPr/>
-                    <a:lstStyle/>
-                    <a:p>
-                      <a:r>
-                        <a:rPr lang="en-US" sz="1700"/>
-                        <a:t>Current User</a:t>
-                      </a:r>
-                    </a:p>
-                  </a:txBody>
-                  <a:tcPr marL="111799" marR="111799" marT="55899" marB="55899"/>
-                </a:tc>
-                <a:tc>
-                  <a:txBody>
-                    <a:bodyPr/>
-                    <a:lstStyle/>
-                    <a:p>
-                      <a:r>
-                        <a:rPr lang="en-US" sz="1700"/>
-                        <a:t>Master User Account</a:t>
-                      </a:r>
-                    </a:p>
-                  </a:txBody>
-                  <a:tcPr marL="111799" marR="111799" marT="55899" marB="55899"/>
-                </a:tc>
-                <a:extLst>
-                  <a:ext uri="{0D108BD9-81ED-4DB2-BD59-A6C34878D82A}">
-                    <a16:rowId xmlns:a16="http://schemas.microsoft.com/office/drawing/2014/main" val="476220358"/>
-                  </a:ext>
-                </a:extLst>
-              </a:tr>
-              <a:tr h="403837">
-                <a:tc>
-                  <a:txBody>
-                    <a:bodyPr/>
-                    <a:lstStyle/>
-                    <a:p>
-                      <a:r>
-                        <a:rPr lang="en-US" sz="1700"/>
-                        <a:t>Access to personal workspace</a:t>
-                      </a:r>
-                    </a:p>
-                  </a:txBody>
-                  <a:tcPr marL="111799" marR="111799" marT="55899" marB="55899"/>
-                </a:tc>
-                <a:tc>
-                  <a:txBody>
-                    <a:bodyPr/>
-                    <a:lstStyle/>
-                    <a:p>
-                      <a:r>
-                        <a:rPr lang="en-US" sz="1700"/>
-                        <a:t>Yes</a:t>
-                      </a:r>
-                    </a:p>
-                  </a:txBody>
-                  <a:tcPr marL="111799" marR="111799" marT="55899" marB="55899"/>
-                </a:tc>
-                <a:tc>
-                  <a:txBody>
-                    <a:bodyPr/>
-                    <a:lstStyle/>
-                    <a:p>
-                      <a:r>
-                        <a:rPr lang="en-US" sz="1700"/>
-                        <a:t>No</a:t>
-                      </a:r>
-                    </a:p>
-                  </a:txBody>
-                  <a:tcPr marL="111799" marR="111799" marT="55899" marB="55899"/>
-                </a:tc>
-                <a:extLst>
-                  <a:ext uri="{0D108BD9-81ED-4DB2-BD59-A6C34878D82A}">
-                    <a16:rowId xmlns:a16="http://schemas.microsoft.com/office/drawing/2014/main" val="988078112"/>
-                  </a:ext>
-                </a:extLst>
-              </a:tr>
-              <a:tr h="403837">
-                <a:tc>
-                  <a:txBody>
-                    <a:bodyPr/>
-                    <a:lstStyle/>
-                    <a:p>
-                      <a:r>
-                        <a:rPr lang="en-US" sz="1700"/>
-                        <a:t>Access to app workspaces</a:t>
-                      </a:r>
-                    </a:p>
-                  </a:txBody>
-                  <a:tcPr marL="111799" marR="111799" marT="55899" marB="55899"/>
-                </a:tc>
-                <a:tc>
-                  <a:txBody>
-                    <a:bodyPr/>
-                    <a:lstStyle/>
-                    <a:p>
-                      <a:r>
-                        <a:rPr lang="en-US" sz="1700"/>
-                        <a:t>Yes</a:t>
-                      </a:r>
-                    </a:p>
-                  </a:txBody>
-                  <a:tcPr marL="111799" marR="111799" marT="55899" marB="55899"/>
-                </a:tc>
-                <a:tc>
-                  <a:txBody>
-                    <a:bodyPr/>
-                    <a:lstStyle/>
-                    <a:p>
-                      <a:r>
-                        <a:rPr lang="en-US" sz="1700"/>
-                        <a:t>Yes</a:t>
-                      </a:r>
-                    </a:p>
-                  </a:txBody>
-                  <a:tcPr marL="111799" marR="111799" marT="55899" marB="55899"/>
-                </a:tc>
-                <a:extLst>
-                  <a:ext uri="{0D108BD9-81ED-4DB2-BD59-A6C34878D82A}">
-                    <a16:rowId xmlns:a16="http://schemas.microsoft.com/office/drawing/2014/main" val="213715270"/>
-                  </a:ext>
-                </a:extLst>
-              </a:tr>
-              <a:tr h="403837">
-                <a:tc>
-                  <a:txBody>
-                    <a:bodyPr/>
-                    <a:lstStyle/>
-                    <a:p>
-                      <a:r>
-                        <a:rPr lang="en-US" sz="1700"/>
-                        <a:t>Ability</a:t>
-                      </a:r>
-                      <a:r>
-                        <a:rPr lang="en-US" sz="1700" baseline="0"/>
-                        <a:t> to reach non-licensed users</a:t>
-                      </a:r>
-                      <a:endParaRPr lang="en-US" sz="1700"/>
-                    </a:p>
-                  </a:txBody>
-                  <a:tcPr marL="111799" marR="111799" marT="55899" marB="55899"/>
-                </a:tc>
-                <a:tc>
-                  <a:txBody>
-                    <a:bodyPr/>
-                    <a:lstStyle/>
-                    <a:p>
-                      <a:r>
-                        <a:rPr lang="en-US" sz="1700"/>
-                        <a:t>No</a:t>
-                      </a:r>
-                    </a:p>
-                  </a:txBody>
-                  <a:tcPr marL="111799" marR="111799" marT="55899" marB="55899"/>
-                </a:tc>
-                <a:tc>
-                  <a:txBody>
-                    <a:bodyPr/>
-                    <a:lstStyle/>
-                    <a:p>
-                      <a:r>
-                        <a:rPr lang="en-US" sz="1700"/>
-                        <a:t>Yes</a:t>
-                      </a:r>
-                    </a:p>
-                  </a:txBody>
-                  <a:tcPr marL="111799" marR="111799" marT="55899" marB="55899"/>
-                </a:tc>
-                <a:extLst>
-                  <a:ext uri="{0D108BD9-81ED-4DB2-BD59-A6C34878D82A}">
-                    <a16:rowId xmlns:a16="http://schemas.microsoft.com/office/drawing/2014/main" val="883782575"/>
-                  </a:ext>
-                </a:extLst>
-              </a:tr>
-              <a:tr h="403837">
-                <a:tc>
-                  <a:txBody>
-                    <a:bodyPr/>
-                    <a:lstStyle/>
-                    <a:p>
-                      <a:r>
-                        <a:rPr lang="en-US" sz="1700"/>
-                        <a:t>Supported Power BI Capacity SKUs</a:t>
-                      </a:r>
-                    </a:p>
-                  </a:txBody>
-                  <a:tcPr marL="111799" marR="111799" marT="55899" marB="55899"/>
-                </a:tc>
-                <a:tc>
-                  <a:txBody>
-                    <a:bodyPr/>
-                    <a:lstStyle/>
-                    <a:p>
-                      <a:r>
-                        <a:rPr lang="en-US" sz="1700"/>
-                        <a:t>P* and EM* SKUs</a:t>
-                      </a:r>
-                    </a:p>
-                  </a:txBody>
-                  <a:tcPr marL="111799" marR="111799" marT="55899" marB="55899"/>
-                </a:tc>
-                <a:tc>
-                  <a:txBody>
-                    <a:bodyPr/>
-                    <a:lstStyle/>
-                    <a:p>
-                      <a:r>
-                        <a:rPr lang="en-US" sz="1700" dirty="0"/>
-                        <a:t>P*, EM* and A* SKUs</a:t>
-                      </a:r>
-                    </a:p>
-                  </a:txBody>
-                  <a:tcPr marL="111799" marR="111799" marT="55899" marB="55899"/>
-                </a:tc>
-                <a:extLst>
-                  <a:ext uri="{0D108BD9-81ED-4DB2-BD59-A6C34878D82A}">
-                    <a16:rowId xmlns:a16="http://schemas.microsoft.com/office/drawing/2014/main" val="1757849280"/>
-                  </a:ext>
-                </a:extLst>
-              </a:tr>
-            </a:tbl>
-          </a:graphicData>
-        </a:graphic>
-      </p:graphicFrame>
-    </p:spTree>
-    <p:extLst>
-      <p:ext uri="{BB962C8B-B14F-4D97-AF65-F5344CB8AC3E}">
-        <p14:creationId xmlns:p14="http://schemas.microsoft.com/office/powerpoint/2010/main" val="14779335"/>
-      </p:ext>
-    </p:extLst>
-  </p:cSld>
-  <p:clrMapOvr>
-    <a:masterClrMapping/>
-  </p:clrMapOvr>
-</p:sld>
-</file>
-
-<file path=ppt/slides/slide13.xml><?xml version="1.0" encoding="utf-8"?>
-<p:sld xmlns:a="http://schemas.openxmlformats.org/drawingml/2006/main" xmlns:r="http://schemas.openxmlformats.org/officeDocument/2006/relationships" xmlns:p="http://schemas.openxmlformats.org/presentationml/2006/main">
-  <p:cSld>
-    <p:spTree>
-      <p:nvGrpSpPr>
-        <p:cNvPr id="1" name=""/>
-        <p:cNvGrpSpPr/>
-        <p:nvPr/>
-      </p:nvGrpSpPr>
-      <p:grpSpPr>
-        <a:xfrm>
-          <a:off x="0" y="0"/>
-          <a:ext cx="0" cy="0"/>
-          <a:chOff x="0" y="0"/>
-          <a:chExt cx="0" cy="0"/>
-        </a:xfrm>
-      </p:grpSpPr>
-      <p:sp>
-        <p:nvSpPr>
-          <p:cNvPr id="2" name="Title 1"/>
-          <p:cNvSpPr>
-            <a:spLocks noGrp="1"/>
-          </p:cNvSpPr>
-          <p:nvPr>
-            <p:ph type="title"/>
-          </p:nvPr>
-        </p:nvSpPr>
-        <p:spPr/>
-        <p:txBody>
-          <a:bodyPr/>
-          <a:lstStyle/>
-          <a:p>
-            <a:r>
-              <a:rPr lang="en-US" dirty="0">
-                <a:solidFill>
-                  <a:schemeClr val="tx1"/>
-                </a:solidFill>
-              </a:rPr>
-              <a:t>Wrap Up</a:t>
-            </a:r>
-          </a:p>
-        </p:txBody>
-      </p:sp>
-    </p:spTree>
-    <p:extLst>
-      <p:ext uri="{BB962C8B-B14F-4D97-AF65-F5344CB8AC3E}">
-        <p14:creationId xmlns:p14="http://schemas.microsoft.com/office/powerpoint/2010/main" val="2714070568"/>
-      </p:ext>
-    </p:extLst>
-  </p:cSld>
-  <p:clrMapOvr>
-    <a:masterClrMapping/>
-  </p:clrMapOvr>
-  <mc:AlternateContent xmlns:mc="http://schemas.openxmlformats.org/markup-compatibility/2006" xmlns:p14="http://schemas.microsoft.com/office/powerpoint/2010/main">
-    <mc:Choice Requires="p14">
-      <p:transition spd="med" p14:dur="700">
-        <p:fade/>
-      </p:transition>
-    </mc:Choice>
-    <mc:Fallback xmlns="">
-      <p:transition spd="med">
-        <p:fade/>
-      </p:transition>
-    </mc:Fallback>
-  </mc:AlternateContent>
-</p:sld>
-</file>
-
-<file path=ppt/slides/slide14.xml><?xml version="1.0" encoding="utf-8"?>
-<p:sld xmlns:a="http://schemas.openxmlformats.org/drawingml/2006/main" xmlns:r="http://schemas.openxmlformats.org/officeDocument/2006/relationships" xmlns:p="http://schemas.openxmlformats.org/presentationml/2006/main">
-  <p:cSld>
-    <p:spTree>
-      <p:nvGrpSpPr>
-        <p:cNvPr id="1" name=""/>
-        <p:cNvGrpSpPr/>
-        <p:nvPr/>
-      </p:nvGrpSpPr>
-      <p:grpSpPr>
-        <a:xfrm>
-          <a:off x="0" y="0"/>
-          <a:ext cx="0" cy="0"/>
-          <a:chOff x="0" y="0"/>
-          <a:chExt cx="0" cy="0"/>
-        </a:xfrm>
-      </p:grpSpPr>
-      <p:sp>
-        <p:nvSpPr>
-          <p:cNvPr id="2" name="Title 1"/>
-          <p:cNvSpPr>
-            <a:spLocks noGrp="1"/>
-          </p:cNvSpPr>
-          <p:nvPr>
-            <p:ph type="title"/>
-          </p:nvPr>
-        </p:nvSpPr>
-        <p:spPr/>
-        <p:txBody>
-          <a:bodyPr>
-            <a:normAutofit/>
-          </a:bodyPr>
-          <a:lstStyle/>
-          <a:p>
-            <a:r>
-              <a:rPr lang="en-US" sz="4400" dirty="0">
-                <a:solidFill>
-                  <a:schemeClr val="tx1"/>
-                </a:solidFill>
-                <a:latin typeface="Segoe UI Light" panose="020B0502040204020203" pitchFamily="34" charset="0"/>
-                <a:cs typeface="Segoe UI Light" panose="020B0502040204020203" pitchFamily="34" charset="0"/>
-              </a:rPr>
-              <a:t>Wrap-up</a:t>
-            </a:r>
-          </a:p>
-        </p:txBody>
-      </p:sp>
-      <p:sp>
-        <p:nvSpPr>
-          <p:cNvPr id="9" name="TextBox 8">
-            <a:extLst>
-              <a:ext uri="{FF2B5EF4-FFF2-40B4-BE49-F238E27FC236}">
-                <a16:creationId xmlns:a16="http://schemas.microsoft.com/office/drawing/2014/main" id="{0F86F9F9-39B5-4CE6-AF48-9ADAE40EA728}"/>
-              </a:ext>
-            </a:extLst>
-          </p:cNvPr>
-          <p:cNvSpPr txBox="1"/>
-          <p:nvPr/>
-        </p:nvSpPr>
-        <p:spPr>
-          <a:xfrm>
-            <a:off x="340285" y="1741246"/>
-            <a:ext cx="7247965" cy="3006977"/>
-          </a:xfrm>
-          <a:prstGeom prst="rect">
-            <a:avLst/>
-          </a:prstGeom>
-          <a:noFill/>
-        </p:spPr>
-        <p:txBody>
-          <a:bodyPr wrap="square" lIns="182880" tIns="146304" rIns="182880" bIns="146304" rtlCol="0">
-            <a:spAutoFit/>
-          </a:bodyPr>
-          <a:lstStyle/>
-          <a:p>
-            <a:pPr>
-              <a:lnSpc>
-                <a:spcPct val="90000"/>
-              </a:lnSpc>
-              <a:spcAft>
-                <a:spcPts val="600"/>
-              </a:spcAft>
-            </a:pPr>
-            <a:r>
-              <a:rPr lang="en-US" sz="3600" dirty="0">
-                <a:latin typeface="+mj-lt"/>
-              </a:rPr>
-              <a:t>Outcome</a:t>
-            </a:r>
-          </a:p>
-          <a:p>
-            <a:pPr>
-              <a:lnSpc>
-                <a:spcPct val="90000"/>
-              </a:lnSpc>
-              <a:spcAft>
-                <a:spcPts val="600"/>
-              </a:spcAft>
-            </a:pPr>
-            <a:r>
-              <a:rPr lang="en-US" sz="2400" dirty="0">
-                <a:latin typeface="Segoe UI Semilight" panose="020B0402040204020203" pitchFamily="34" charset="0"/>
-                <a:cs typeface="Segoe UI Semilight" panose="020B0402040204020203" pitchFamily="34" charset="0"/>
-              </a:rPr>
-              <a:t>Identify the preferred solution for the case study</a:t>
-            </a:r>
-          </a:p>
-          <a:p>
-            <a:pPr>
-              <a:lnSpc>
-                <a:spcPct val="90000"/>
-              </a:lnSpc>
-              <a:spcAft>
-                <a:spcPts val="600"/>
-              </a:spcAft>
-            </a:pPr>
-            <a:r>
-              <a:rPr lang="en-US" sz="2400" dirty="0">
-                <a:latin typeface="Segoe UI Semilight" panose="020B0402040204020203" pitchFamily="34" charset="0"/>
-                <a:cs typeface="Segoe UI Semilight" panose="020B0402040204020203" pitchFamily="34" charset="0"/>
-              </a:rPr>
-              <a:t>Identify solutions designed by other teams</a:t>
-            </a:r>
-          </a:p>
-          <a:p>
-            <a:pPr>
-              <a:lnSpc>
-                <a:spcPct val="90000"/>
-              </a:lnSpc>
-              <a:spcAft>
-                <a:spcPts val="600"/>
-              </a:spcAft>
-            </a:pPr>
-            <a:endParaRPr lang="en-US" sz="2400" dirty="0"/>
-          </a:p>
-          <a:p>
-            <a:pPr>
-              <a:lnSpc>
-                <a:spcPct val="90000"/>
-              </a:lnSpc>
-              <a:spcAft>
-                <a:spcPts val="600"/>
-              </a:spcAft>
-            </a:pPr>
-            <a:r>
-              <a:rPr lang="en-US" sz="3600" dirty="0">
-                <a:latin typeface="+mj-lt"/>
-              </a:rPr>
-              <a:t>Timeframe</a:t>
-            </a:r>
-          </a:p>
-          <a:p>
-            <a:pPr>
-              <a:lnSpc>
-                <a:spcPct val="90000"/>
-              </a:lnSpc>
-              <a:spcAft>
-                <a:spcPts val="600"/>
-              </a:spcAft>
-            </a:pPr>
-            <a:r>
-              <a:rPr lang="en-US" sz="2400" dirty="0">
-                <a:latin typeface="Segoe UI Semilight" panose="020B0402040204020203" pitchFamily="34" charset="0"/>
-                <a:cs typeface="Segoe UI Semilight" panose="020B0402040204020203" pitchFamily="34" charset="0"/>
-              </a:rPr>
-              <a:t>15 minutes</a:t>
-            </a:r>
-          </a:p>
-        </p:txBody>
-      </p:sp>
-    </p:spTree>
-    <p:extLst>
-      <p:ext uri="{BB962C8B-B14F-4D97-AF65-F5344CB8AC3E}">
-        <p14:creationId xmlns:p14="http://schemas.microsoft.com/office/powerpoint/2010/main" val="4239998353"/>
-      </p:ext>
-    </p:extLst>
-  </p:cSld>
-  <p:clrMapOvr>
-    <a:masterClrMapping/>
-  </p:clrMapOvr>
-  <mc:AlternateContent xmlns:mc="http://schemas.openxmlformats.org/markup-compatibility/2006" xmlns:p14="http://schemas.microsoft.com/office/powerpoint/2010/main">
-    <mc:Choice Requires="p14">
-      <p:transition p14:dur="0"/>
-    </mc:Choice>
-    <mc:Fallback xmlns="">
-      <p:transition/>
-    </mc:Fallback>
-  </mc:AlternateContent>
-</p:sld>
-</file>
-
-<file path=ppt/slides/slide15.xml><?xml version="1.0" encoding="utf-8"?>
-<p:sld xmlns:a="http://schemas.openxmlformats.org/drawingml/2006/main" xmlns:r="http://schemas.openxmlformats.org/officeDocument/2006/relationships" xmlns:p="http://schemas.openxmlformats.org/presentationml/2006/main">
-  <p:cSld>
     <p:bg>
       <p:bgPr>
         <a:solidFill>
@@ -15937,7 +13950,7 @@
                   <a:schemeClr val="tx1"/>
                 </a:solidFill>
               </a:rPr>
-              <a:t>Introduction</a:t>
+              <a:t>Performance Best Practices</a:t>
             </a:r>
           </a:p>
         </p:txBody>
@@ -16037,7 +14050,7 @@
         <p:spPr>
           <a:xfrm>
             <a:off x="340285" y="1741246"/>
-            <a:ext cx="7247965" cy="1612749"/>
+            <a:ext cx="7247965" cy="1369606"/>
           </a:xfrm>
           <a:prstGeom prst="rect">
             <a:avLst/>
@@ -16059,27 +14072,11 @@
               </a:spcAft>
             </a:pPr>
             <a:r>
-              <a:rPr lang="en-US" sz="3600" dirty="0">
-                <a:latin typeface="+mj-lt"/>
-              </a:rPr>
-              <a:t>Abstract and learning objectives</a:t>
-            </a:r>
-          </a:p>
-          <a:p>
-            <a:pPr>
-              <a:lnSpc>
-                <a:spcPct val="90000"/>
-              </a:lnSpc>
-              <a:spcAft>
-                <a:spcPts val="600"/>
-              </a:spcAft>
-            </a:pPr>
-            <a:r>
               <a:rPr lang="en-US" sz="2400" dirty="0">
                 <a:latin typeface="Segoe UI Semilight" panose="020B0402040204020203" pitchFamily="34" charset="0"/>
                 <a:cs typeface="Segoe UI Semilight" panose="020B0402040204020203" pitchFamily="34" charset="0"/>
               </a:rPr>
-              <a:t>Embed Power BI objects within applications</a:t>
+              <a:t>Understand Performance Best Practices for Power BI Embedded</a:t>
             </a:r>
           </a:p>
           <a:p>
@@ -16169,7 +14166,7 @@
                 </a:solidFill>
                 <a:latin typeface="+mn-lt"/>
               </a:rPr>
-              <a:t>Embedding Functionalities</a:t>
+              <a:t>Best Practices</a:t>
             </a:r>
           </a:p>
         </p:txBody>
@@ -16190,7 +14187,7 @@
             <p:ph idx="1"/>
             <p:extLst>
               <p:ext uri="{D42A27DB-BD31-4B8C-83A1-F6EECF244321}">
-                <p14:modId xmlns:p14="http://schemas.microsoft.com/office/powerpoint/2010/main" val="3542688197"/>
+                <p14:modId xmlns:p14="http://schemas.microsoft.com/office/powerpoint/2010/main" val="3245529682"/>
               </p:ext>
             </p:extLst>
           </p:nvPr>
@@ -16256,11 +14253,8 @@
                     <a:p>
                       <a:r>
                         <a:rPr lang="en-US" sz="1800" dirty="0"/>
-                        <a:t>Embedding Power BI Content</a:t>
+                        <a:t>Performance Best Practices</a:t>
                       </a:r>
-                    </a:p>
-                    <a:p>
-                      <a:endParaRPr lang="en-US" sz="1800" dirty="0"/>
                     </a:p>
                   </a:txBody>
                   <a:tcPr marL="90647" marR="90647" marT="45324" marB="45324" anchor="ctr"/>
@@ -16272,7 +14266,7 @@
                     <a:p>
                       <a:r>
                         <a:rPr lang="en-US" sz="1200" dirty="0"/>
-                        <a:t>The Power BI service (SaaS) and the Power BI Embedded service in Azure (PaaS) have APIs for embedding your dashboards and reports. This feature means you can access the latest Power BI features – such as dashboards, gateways, and app workspaces – when embedding your content.</a:t>
+                        <a:t>This PowerPoint provides recommendations for faster rendering of reports, dashboards, and tiles in your application</a:t>
                       </a:r>
                     </a:p>
                   </a:txBody>
@@ -16320,10 +14314,10 @@
       </p:grpSpPr>
       <p:sp>
         <p:nvSpPr>
-          <p:cNvPr id="3" name="Content Placeholder 2">
+          <p:cNvPr id="4" name="Content Placeholder 3">
             <a:extLst>
               <a:ext uri="{FF2B5EF4-FFF2-40B4-BE49-F238E27FC236}">
-                <a16:creationId xmlns:a16="http://schemas.microsoft.com/office/drawing/2014/main" id="{96AE7EB2-BF6D-4DD8-BF8D-3CCC6F0D5A2F}"/>
+                <a16:creationId xmlns:a16="http://schemas.microsoft.com/office/drawing/2014/main" id="{AF2C42A9-88FA-4F65-A5E5-04393337A5BD}"/>
               </a:ext>
             </a:extLst>
           </p:cNvPr>
@@ -16336,143 +14330,28 @@
         </p:nvSpPr>
         <p:spPr>
           <a:xfrm>
-            <a:off x="269239" y="1189177"/>
-            <a:ext cx="11653523" cy="4749942"/>
+            <a:off x="269239" y="1189178"/>
+            <a:ext cx="11653523" cy="675482"/>
           </a:xfrm>
         </p:spPr>
         <p:txBody>
-          <a:bodyPr anchor="ctr">
+          <a:bodyPr vert="horz" lIns="91440" tIns="45720" rIns="91440" bIns="45720" rtlCol="0">
             <a:normAutofit/>
           </a:bodyPr>
           <a:lstStyle/>
           <a:p>
-            <a:pPr marL="342900" indent="-342900">
-              <a:spcBef>
-                <a:spcPts val="1200"/>
-              </a:spcBef>
-              <a:spcAft>
-                <a:spcPts val="200"/>
-              </a:spcAft>
-              <a:buClr>
-                <a:schemeClr val="accent1"/>
-              </a:buClr>
-              <a:buSzPct val="100000"/>
-            </a:pPr>
-            <a:r>
-              <a:rPr lang="en-US" sz="2400" spc="200" dirty="0">
-                <a:solidFill>
-                  <a:schemeClr val="tx1">
-                    <a:lumMod val="95000"/>
-                  </a:schemeClr>
-                </a:solidFill>
+            <a:r>
+              <a:rPr lang="en-US" sz="2000" dirty="0" err="1">
+                <a:latin typeface="+mn-lt"/>
               </a:rPr>
-              <a:t>Provides cloud-based foundation for power BI platform</a:t>
-            </a:r>
-          </a:p>
-          <a:p>
-            <a:pPr marL="342900" lvl="1" indent="-342900">
-              <a:spcBef>
-                <a:spcPts val="1200"/>
-              </a:spcBef>
-              <a:spcAft>
-                <a:spcPts val="200"/>
-              </a:spcAft>
-              <a:buClr>
-                <a:schemeClr val="accent1"/>
-              </a:buClr>
-              <a:buSzPct val="100000"/>
-            </a:pPr>
-            <a:r>
-              <a:rPr lang="en-US" spc="200" dirty="0">
-                <a:solidFill>
-                  <a:schemeClr val="tx1">
-                    <a:lumMod val="95000"/>
-                  </a:schemeClr>
-                </a:solidFill>
+              <a:t>Powerbi.embed</a:t>
+            </a:r>
+            <a:r>
+              <a:rPr lang="en-US" sz="2000" dirty="0">
+                <a:latin typeface="+mn-lt"/>
               </a:rPr>
-              <a:t>Accessible with browser through </a:t>
-            </a:r>
-            <a:r>
-              <a:rPr lang="en-US" spc="200" dirty="0">
-                <a:solidFill>
-                  <a:schemeClr val="tx1">
-                    <a:lumMod val="95000"/>
-                  </a:schemeClr>
-                </a:solidFill>
-                <a:hlinkClick r:id="rId2">
-                  <a:extLst>
-                    <a:ext uri="{A12FA001-AC4F-418D-AE19-62706E023703}">
-                      <ahyp:hlinkClr xmlns:ahyp="http://schemas.microsoft.com/office/drawing/2018/hyperlinkcolor" val="tx"/>
-                    </a:ext>
-                  </a:extLst>
-                </a:hlinkClick>
-              </a:rPr>
-              <a:t>https://app.Powerbi.Com</a:t>
-            </a:r>
-            <a:endParaRPr lang="en-US" spc="200" dirty="0">
-              <a:solidFill>
-                <a:schemeClr val="tx1">
-                  <a:lumMod val="95000"/>
-                </a:schemeClr>
-              </a:solidFill>
-            </a:endParaRPr>
-          </a:p>
-          <a:p>
-            <a:pPr marL="342900" lvl="1" indent="-342900">
-              <a:spcBef>
-                <a:spcPts val="1200"/>
-              </a:spcBef>
-              <a:spcAft>
-                <a:spcPts val="200"/>
-              </a:spcAft>
-              <a:buClr>
-                <a:schemeClr val="accent1"/>
-              </a:buClr>
-              <a:buSzPct val="100000"/>
-            </a:pPr>
-            <a:r>
-              <a:rPr lang="en-US" spc="200" dirty="0">
-                <a:solidFill>
-                  <a:schemeClr val="tx1">
-                    <a:lumMod val="95000"/>
-                  </a:schemeClr>
-                </a:solidFill>
-              </a:rPr>
-              <a:t>Accessible through power BI mobile apps</a:t>
-            </a:r>
-          </a:p>
-          <a:p>
-            <a:pPr marL="342900" lvl="1" indent="-342900">
-              <a:spcBef>
-                <a:spcPts val="1200"/>
-              </a:spcBef>
-              <a:spcAft>
-                <a:spcPts val="200"/>
-              </a:spcAft>
-              <a:buClr>
-                <a:schemeClr val="accent1"/>
-              </a:buClr>
-              <a:buSzPct val="100000"/>
-            </a:pPr>
-            <a:r>
-              <a:rPr lang="en-US" spc="200" dirty="0">
-                <a:solidFill>
-                  <a:schemeClr val="tx1">
-                    <a:lumMod val="95000"/>
-                  </a:schemeClr>
-                </a:solidFill>
-              </a:rPr>
-              <a:t>Accessible to developers through power BI service API</a:t>
-            </a:r>
-          </a:p>
-          <a:p>
-            <a:endParaRPr lang="en-US" sz="2400" dirty="0">
-              <a:solidFill>
-                <a:schemeClr val="tx1">
-                  <a:lumMod val="95000"/>
-                </a:schemeClr>
-              </a:solidFill>
-            </a:endParaRPr>
+              <a:t>() method receives few parameters to embed a report, a dashboard, or a tile. These parameters have performance implications.</a:t>
+            </a:r>
           </a:p>
         </p:txBody>
       </p:sp>
@@ -16481,7 +14360,7 @@
           <p:cNvPr id="2" name="Title 1">
             <a:extLst>
               <a:ext uri="{FF2B5EF4-FFF2-40B4-BE49-F238E27FC236}">
-                <a16:creationId xmlns:a16="http://schemas.microsoft.com/office/drawing/2014/main" id="{3844FE22-1C03-402F-A3BA-F7E245079CE3}"/>
+                <a16:creationId xmlns:a16="http://schemas.microsoft.com/office/drawing/2014/main" id="{4E24AFA5-27D2-4E92-A5D5-A72899EB40E5}"/>
               </a:ext>
             </a:extLst>
           </p:cNvPr>
@@ -16494,19 +14373,456 @@
         </p:nvSpPr>
         <p:spPr/>
         <p:txBody>
-          <a:bodyPr>
+          <a:bodyPr vert="horz" lIns="91440" tIns="45720" rIns="91440" bIns="45720" rtlCol="0" anchor="ctr">
             <a:normAutofit/>
           </a:bodyPr>
           <a:lstStyle/>
           <a:p>
             <a:r>
-              <a:rPr lang="en-US" dirty="0">
+              <a:rPr lang="en-US" sz="4400" b="1" dirty="0"/>
+              <a:t>Embed parameters</a:t>
+            </a:r>
+          </a:p>
+        </p:txBody>
+      </p:sp>
+      <p:sp>
+        <p:nvSpPr>
+          <p:cNvPr id="5" name="Content Placeholder 3">
+            <a:extLst>
+              <a:ext uri="{FF2B5EF4-FFF2-40B4-BE49-F238E27FC236}">
+                <a16:creationId xmlns:a16="http://schemas.microsoft.com/office/drawing/2014/main" id="{B7E9FE13-CBD9-419D-BF37-FCA9E5E0A217}"/>
+              </a:ext>
+            </a:extLst>
+          </p:cNvPr>
+          <p:cNvSpPr txBox="1">
+            <a:spLocks/>
+          </p:cNvSpPr>
+          <p:nvPr/>
+        </p:nvSpPr>
+        <p:spPr>
+          <a:xfrm>
+            <a:off x="266921" y="1981200"/>
+            <a:ext cx="11653523" cy="4320988"/>
+          </a:xfrm>
+          <a:prstGeom prst="rect">
+            <a:avLst/>
+          </a:prstGeom>
+        </p:spPr>
+        <p:txBody>
+          <a:bodyPr vert="horz" wrap="square" lIns="91440" tIns="45720" rIns="91440" bIns="45720" rtlCol="0">
+            <a:noAutofit/>
+          </a:bodyPr>
+          <a:lstStyle>
+            <a:lvl1pPr marL="336145" marR="0" indent="-336145" algn="l" defTabSz="914367" rtl="0" eaLnBrk="1" fontAlgn="auto" latinLnBrk="0" hangingPunct="1">
+              <a:lnSpc>
+                <a:spcPct val="90000"/>
+              </a:lnSpc>
+              <a:spcBef>
+                <a:spcPct val="20000"/>
+              </a:spcBef>
+              <a:spcAft>
+                <a:spcPts val="0"/>
+              </a:spcAft>
+              <a:buClrTx/>
+              <a:buSzPct val="90000"/>
+              <a:buFont typeface="Arial" pitchFamily="34" charset="0"/>
+              <a:buChar char="•"/>
+              <a:tabLst/>
+              <a:defRPr sz="3921" kern="1200" spc="0" baseline="0">
+                <a:gradFill>
+                  <a:gsLst>
+                    <a:gs pos="1250">
+                      <a:schemeClr val="tx1"/>
+                    </a:gs>
+                    <a:gs pos="100000">
+                      <a:schemeClr val="tx1"/>
+                    </a:gs>
+                  </a:gsLst>
+                  <a:lin ang="5400000" scaled="0"/>
+                </a:gradFill>
+                <a:latin typeface="+mj-lt"/>
+                <a:ea typeface="+mn-ea"/>
+                <a:cs typeface="+mn-cs"/>
+              </a:defRPr>
+            </a:lvl1pPr>
+            <a:lvl2pPr marL="572691" marR="0" indent="-236546" algn="l" defTabSz="914367" rtl="0" eaLnBrk="1" fontAlgn="auto" latinLnBrk="0" hangingPunct="1">
+              <a:lnSpc>
+                <a:spcPct val="90000"/>
+              </a:lnSpc>
+              <a:spcBef>
+                <a:spcPct val="20000"/>
+              </a:spcBef>
+              <a:spcAft>
+                <a:spcPts val="0"/>
+              </a:spcAft>
+              <a:buClrTx/>
+              <a:buSzPct val="90000"/>
+              <a:buFont typeface="Arial" pitchFamily="34" charset="0"/>
+              <a:buChar char="•"/>
+              <a:tabLst/>
+              <a:defRPr sz="2353" kern="1200" spc="0" baseline="0">
+                <a:gradFill>
+                  <a:gsLst>
+                    <a:gs pos="1250">
+                      <a:schemeClr val="tx1"/>
+                    </a:gs>
+                    <a:gs pos="100000">
+                      <a:schemeClr val="tx1"/>
+                    </a:gs>
+                  </a:gsLst>
+                  <a:lin ang="5400000" scaled="0"/>
+                </a:gradFill>
+                <a:latin typeface="+mn-lt"/>
+                <a:ea typeface="+mn-ea"/>
+                <a:cs typeface="+mn-cs"/>
+              </a:defRPr>
+            </a:lvl2pPr>
+            <a:lvl3pPr marL="784338" marR="0" indent="-224097" algn="l" defTabSz="914367" rtl="0" eaLnBrk="1" fontAlgn="auto" latinLnBrk="0" hangingPunct="1">
+              <a:lnSpc>
+                <a:spcPct val="90000"/>
+              </a:lnSpc>
+              <a:spcBef>
+                <a:spcPct val="20000"/>
+              </a:spcBef>
+              <a:spcAft>
+                <a:spcPts val="0"/>
+              </a:spcAft>
+              <a:buClrTx/>
+              <a:buSzPct val="90000"/>
+              <a:buFont typeface="Arial" pitchFamily="34" charset="0"/>
+              <a:buChar char="•"/>
+              <a:tabLst/>
+              <a:defRPr sz="1961" kern="1200" spc="0" baseline="0">
+                <a:gradFill>
+                  <a:gsLst>
+                    <a:gs pos="1250">
+                      <a:schemeClr val="tx1"/>
+                    </a:gs>
+                    <a:gs pos="100000">
+                      <a:schemeClr val="tx1"/>
+                    </a:gs>
+                  </a:gsLst>
+                  <a:lin ang="5400000" scaled="0"/>
+                </a:gradFill>
+                <a:latin typeface="+mn-lt"/>
+                <a:ea typeface="+mn-ea"/>
+                <a:cs typeface="+mn-cs"/>
+              </a:defRPr>
+            </a:lvl3pPr>
+            <a:lvl4pPr marL="1008435" marR="0" indent="-224097" algn="l" defTabSz="914367" rtl="0" eaLnBrk="1" fontAlgn="auto" latinLnBrk="0" hangingPunct="1">
+              <a:lnSpc>
+                <a:spcPct val="90000"/>
+              </a:lnSpc>
+              <a:spcBef>
+                <a:spcPct val="20000"/>
+              </a:spcBef>
+              <a:spcAft>
+                <a:spcPts val="0"/>
+              </a:spcAft>
+              <a:buClrTx/>
+              <a:buSzPct val="90000"/>
+              <a:buFont typeface="Arial" pitchFamily="34" charset="0"/>
+              <a:buChar char="•"/>
+              <a:tabLst/>
+              <a:defRPr sz="1765" kern="1200" spc="0" baseline="0">
+                <a:gradFill>
+                  <a:gsLst>
+                    <a:gs pos="1250">
+                      <a:schemeClr val="tx1"/>
+                    </a:gs>
+                    <a:gs pos="100000">
+                      <a:schemeClr val="tx1"/>
+                    </a:gs>
+                  </a:gsLst>
+                  <a:lin ang="5400000" scaled="0"/>
+                </a:gradFill>
+                <a:latin typeface="+mn-lt"/>
+                <a:ea typeface="+mn-ea"/>
+                <a:cs typeface="+mn-cs"/>
+              </a:defRPr>
+            </a:lvl4pPr>
+            <a:lvl5pPr marL="1232531" marR="0" indent="-224097" algn="l" defTabSz="914367" rtl="0" eaLnBrk="1" fontAlgn="auto" latinLnBrk="0" hangingPunct="1">
+              <a:lnSpc>
+                <a:spcPct val="90000"/>
+              </a:lnSpc>
+              <a:spcBef>
+                <a:spcPct val="20000"/>
+              </a:spcBef>
+              <a:spcAft>
+                <a:spcPts val="0"/>
+              </a:spcAft>
+              <a:buClrTx/>
+              <a:buSzPct val="90000"/>
+              <a:buFont typeface="Arial" pitchFamily="34" charset="0"/>
+              <a:buChar char="•"/>
+              <a:tabLst/>
+              <a:defRPr sz="1765" kern="1200" spc="0" baseline="0">
+                <a:gradFill>
+                  <a:gsLst>
+                    <a:gs pos="1250">
+                      <a:schemeClr val="tx1"/>
+                    </a:gs>
+                    <a:gs pos="100000">
+                      <a:schemeClr val="tx1"/>
+                    </a:gs>
+                  </a:gsLst>
+                  <a:lin ang="5400000" scaled="0"/>
+                </a:gradFill>
+                <a:latin typeface="+mn-lt"/>
+                <a:ea typeface="+mn-ea"/>
+                <a:cs typeface="+mn-cs"/>
+              </a:defRPr>
+            </a:lvl5pPr>
+            <a:lvl6pPr marL="2514509" indent="-228592" algn="l" defTabSz="914367" rtl="0" eaLnBrk="1" latinLnBrk="0" hangingPunct="1">
+              <a:spcBef>
+                <a:spcPct val="20000"/>
+              </a:spcBef>
+              <a:buFont typeface="Arial" pitchFamily="34" charset="0"/>
+              <a:buChar char="•"/>
+              <a:defRPr sz="1961" kern="1200">
                 <a:solidFill>
-                  <a:schemeClr val="accent1"/>
+                  <a:schemeClr val="tx1"/>
                 </a:solidFill>
                 <a:latin typeface="+mn-lt"/>
+                <a:ea typeface="+mn-ea"/>
+                <a:cs typeface="+mn-cs"/>
+              </a:defRPr>
+            </a:lvl6pPr>
+            <a:lvl7pPr marL="2971693" indent="-228592" algn="l" defTabSz="914367" rtl="0" eaLnBrk="1" latinLnBrk="0" hangingPunct="1">
+              <a:spcBef>
+                <a:spcPct val="20000"/>
+              </a:spcBef>
+              <a:buFont typeface="Arial" pitchFamily="34" charset="0"/>
+              <a:buChar char="•"/>
+              <a:defRPr sz="1961" kern="1200">
+                <a:solidFill>
+                  <a:schemeClr val="tx1"/>
+                </a:solidFill>
+                <a:latin typeface="+mn-lt"/>
+                <a:ea typeface="+mn-ea"/>
+                <a:cs typeface="+mn-cs"/>
+              </a:defRPr>
+            </a:lvl7pPr>
+            <a:lvl8pPr marL="3428877" indent="-228592" algn="l" defTabSz="914367" rtl="0" eaLnBrk="1" latinLnBrk="0" hangingPunct="1">
+              <a:spcBef>
+                <a:spcPct val="20000"/>
+              </a:spcBef>
+              <a:buFont typeface="Arial" pitchFamily="34" charset="0"/>
+              <a:buChar char="•"/>
+              <a:defRPr sz="1961" kern="1200">
+                <a:solidFill>
+                  <a:schemeClr val="tx1"/>
+                </a:solidFill>
+                <a:latin typeface="+mn-lt"/>
+                <a:ea typeface="+mn-ea"/>
+                <a:cs typeface="+mn-cs"/>
+              </a:defRPr>
+            </a:lvl8pPr>
+            <a:lvl9pPr marL="3886061" indent="-228592" algn="l" defTabSz="914367" rtl="0" eaLnBrk="1" latinLnBrk="0" hangingPunct="1">
+              <a:spcBef>
+                <a:spcPct val="20000"/>
+              </a:spcBef>
+              <a:buFont typeface="Arial" pitchFamily="34" charset="0"/>
+              <a:buChar char="•"/>
+              <a:defRPr sz="1961" kern="1200">
+                <a:solidFill>
+                  <a:schemeClr val="tx1"/>
+                </a:solidFill>
+                <a:latin typeface="+mn-lt"/>
+                <a:ea typeface="+mn-ea"/>
+                <a:cs typeface="+mn-cs"/>
+              </a:defRPr>
+            </a:lvl9pPr>
+          </a:lstStyle>
+          <a:p>
+            <a:r>
+              <a:rPr lang="en-US" sz="2000" b="1" dirty="0">
+                <a:solidFill>
+                  <a:schemeClr val="tx1"/>
+                </a:solidFill>
               </a:rPr>
-              <a:t>Power BI Service</a:t>
+              <a:t>Embed URL</a:t>
+            </a:r>
+          </a:p>
+          <a:p>
+            <a:pPr lvl="1"/>
+            <a:r>
+              <a:rPr lang="en-US" sz="2000" dirty="0">
+                <a:solidFill>
+                  <a:schemeClr val="tx1"/>
+                </a:solidFill>
+              </a:rPr>
+              <a:t>Avoid generating the embed URL yourself. Instead, make sure you get the Embed URL by calling the </a:t>
+            </a:r>
+            <a:r>
+              <a:rPr lang="en-US" sz="2000" u="sng" dirty="0">
+                <a:solidFill>
+                  <a:schemeClr val="tx1"/>
+                </a:solidFill>
+                <a:hlinkClick r:id="rId2">
+                  <a:extLst>
+                    <a:ext uri="{A12FA001-AC4F-418D-AE19-62706E023703}">
+                      <ahyp:hlinkClr xmlns:ahyp="http://schemas.microsoft.com/office/drawing/2018/hyperlinkcolor" val="tx"/>
+                    </a:ext>
+                  </a:extLst>
+                </a:hlinkClick>
+              </a:rPr>
+              <a:t>Get reports</a:t>
+            </a:r>
+            <a:r>
+              <a:rPr lang="en-US" sz="2000" dirty="0">
+                <a:solidFill>
+                  <a:schemeClr val="tx1"/>
+                </a:solidFill>
+              </a:rPr>
+              <a:t>, the </a:t>
+            </a:r>
+            <a:r>
+              <a:rPr lang="en-US" sz="2000" u="sng" dirty="0">
+                <a:solidFill>
+                  <a:schemeClr val="tx1"/>
+                </a:solidFill>
+                <a:hlinkClick r:id="rId3">
+                  <a:extLst>
+                    <a:ext uri="{A12FA001-AC4F-418D-AE19-62706E023703}">
+                      <ahyp:hlinkClr xmlns:ahyp="http://schemas.microsoft.com/office/drawing/2018/hyperlinkcolor" val="tx"/>
+                    </a:ext>
+                  </a:extLst>
+                </a:hlinkClick>
+              </a:rPr>
+              <a:t>Get dashboards</a:t>
+            </a:r>
+            <a:r>
+              <a:rPr lang="en-US" sz="2000" dirty="0">
+                <a:solidFill>
+                  <a:schemeClr val="tx1"/>
+                </a:solidFill>
+              </a:rPr>
+              <a:t>, or the </a:t>
+            </a:r>
+            <a:r>
+              <a:rPr lang="en-US" sz="2000" u="sng" dirty="0">
+                <a:solidFill>
+                  <a:schemeClr val="tx1"/>
+                </a:solidFill>
+                <a:hlinkClick r:id="rId4">
+                  <a:extLst>
+                    <a:ext uri="{A12FA001-AC4F-418D-AE19-62706E023703}">
+                      <ahyp:hlinkClr xmlns:ahyp="http://schemas.microsoft.com/office/drawing/2018/hyperlinkcolor" val="tx"/>
+                    </a:ext>
+                  </a:extLst>
+                </a:hlinkClick>
+              </a:rPr>
+              <a:t>Get tiles</a:t>
+            </a:r>
+            <a:r>
+              <a:rPr lang="en-US" sz="2000" dirty="0">
+                <a:solidFill>
+                  <a:schemeClr val="tx1"/>
+                </a:solidFill>
+              </a:rPr>
+              <a:t> API. We added a new parameter to the URL called </a:t>
+            </a:r>
+            <a:r>
+              <a:rPr lang="en-US" sz="2000" b="1" i="1" dirty="0">
+                <a:solidFill>
+                  <a:schemeClr val="tx1"/>
+                </a:solidFill>
+              </a:rPr>
+              <a:t>config</a:t>
+            </a:r>
+            <a:r>
+              <a:rPr lang="en-US" sz="2000" dirty="0">
+                <a:solidFill>
+                  <a:schemeClr val="tx1"/>
+                </a:solidFill>
+              </a:rPr>
+              <a:t>, used for performance improvements.</a:t>
+            </a:r>
+          </a:p>
+          <a:p>
+            <a:r>
+              <a:rPr lang="en-US" sz="2000" b="1" dirty="0">
+                <a:solidFill>
+                  <a:schemeClr val="tx1"/>
+                </a:solidFill>
+              </a:rPr>
+              <a:t>Permissions</a:t>
+            </a:r>
+          </a:p>
+          <a:p>
+            <a:pPr lvl="1"/>
+            <a:r>
+              <a:rPr lang="en-US" sz="2000" dirty="0">
+                <a:solidFill>
+                  <a:schemeClr val="tx1"/>
+                </a:solidFill>
+              </a:rPr>
+              <a:t>Provide </a:t>
+            </a:r>
+            <a:r>
+              <a:rPr lang="en-US" sz="2000" b="1" dirty="0">
+                <a:solidFill>
+                  <a:schemeClr val="tx1"/>
+                </a:solidFill>
+              </a:rPr>
+              <a:t>View</a:t>
+            </a:r>
+            <a:r>
+              <a:rPr lang="en-US" sz="2000" dirty="0">
+                <a:solidFill>
+                  <a:schemeClr val="tx1"/>
+                </a:solidFill>
+              </a:rPr>
+              <a:t> permissions if you're not intending to embed a report in </a:t>
+            </a:r>
+            <a:r>
+              <a:rPr lang="en-US" sz="2000" b="1" dirty="0">
+                <a:solidFill>
+                  <a:schemeClr val="tx1"/>
+                </a:solidFill>
+              </a:rPr>
+              <a:t>Edit mode</a:t>
+            </a:r>
+            <a:r>
+              <a:rPr lang="en-US" sz="2000" dirty="0">
+                <a:solidFill>
+                  <a:schemeClr val="tx1"/>
+                </a:solidFill>
+              </a:rPr>
+              <a:t>. This way embed code doesn't initialize components, which are used for Edit mode.</a:t>
+            </a:r>
+          </a:p>
+          <a:p>
+            <a:r>
+              <a:rPr lang="en-US" sz="2000" b="1" dirty="0">
+                <a:solidFill>
+                  <a:schemeClr val="tx1"/>
+                </a:solidFill>
+              </a:rPr>
+              <a:t>Filters, bookmarks, and slicers</a:t>
+            </a:r>
+          </a:p>
+          <a:p>
+            <a:pPr lvl="1"/>
+            <a:r>
+              <a:rPr lang="en-US" sz="2000" dirty="0">
+                <a:solidFill>
+                  <a:schemeClr val="tx1"/>
+                </a:solidFill>
+              </a:rPr>
+              <a:t>Usually, report visuals are saved with cached data. The cached data is used to give perceived performance. Reports render cached data while queries are executed. If filters, bookmarks or slicers are provided, cached data isn't relevant. Then, the visuals are rendered only after running the visual query.</a:t>
+            </a:r>
+          </a:p>
+          <a:p>
+            <a:pPr lvl="1"/>
+            <a:r>
+              <a:rPr lang="en-US" sz="2000" dirty="0">
+                <a:solidFill>
+                  <a:schemeClr val="tx1"/>
+                </a:solidFill>
+              </a:rPr>
+              <a:t>If you embed reports with the same filters, to avoid passing a list of filters in the load configuration, save the report with filters already applied.</a:t>
             </a:r>
           </a:p>
         </p:txBody>
@@ -16514,7 +14830,7 @@
     </p:spTree>
     <p:extLst>
       <p:ext uri="{BB962C8B-B14F-4D97-AF65-F5344CB8AC3E}">
-        <p14:creationId xmlns:p14="http://schemas.microsoft.com/office/powerpoint/2010/main" val="554132283"/>
+        <p14:creationId xmlns:p14="http://schemas.microsoft.com/office/powerpoint/2010/main" val="538127946"/>
       </p:ext>
     </p:extLst>
   </p:cSld>
@@ -16546,10 +14862,101 @@
       </p:grpSpPr>
       <p:sp>
         <p:nvSpPr>
-          <p:cNvPr id="2" name="Title 1">
+          <p:cNvPr id="2" name="Text Placeholder 1">
             <a:extLst>
               <a:ext uri="{FF2B5EF4-FFF2-40B4-BE49-F238E27FC236}">
-                <a16:creationId xmlns:a16="http://schemas.microsoft.com/office/drawing/2014/main" id="{4E24AFA5-27D2-4E92-A5D5-A72899EB40E5}"/>
+                <a16:creationId xmlns:a16="http://schemas.microsoft.com/office/drawing/2014/main" id="{3DCE72C5-0ED4-4F3D-91BF-763F969793A0}"/>
+              </a:ext>
+            </a:extLst>
+          </p:cNvPr>
+          <p:cNvSpPr>
+            <a:spLocks noGrp="1"/>
+          </p:cNvSpPr>
+          <p:nvPr>
+            <p:ph type="body" sz="quarter" idx="10"/>
+          </p:nvPr>
+        </p:nvSpPr>
+        <p:spPr>
+          <a:xfrm>
+            <a:off x="269239" y="1189177"/>
+            <a:ext cx="11653523" cy="1631216"/>
+          </a:xfrm>
+        </p:spPr>
+        <p:txBody>
+          <a:bodyPr/>
+          <a:lstStyle/>
+          <a:p>
+            <a:r>
+              <a:rPr lang="en-US" sz="2000" dirty="0">
+                <a:latin typeface="+mn-lt"/>
+              </a:rPr>
+              <a:t>Use the </a:t>
+            </a:r>
+            <a:r>
+              <a:rPr lang="en-US" sz="2000" i="1" dirty="0">
+                <a:latin typeface="+mn-lt"/>
+              </a:rPr>
+              <a:t>preload</a:t>
+            </a:r>
+            <a:r>
+              <a:rPr lang="en-US" sz="2000" dirty="0">
+                <a:latin typeface="+mn-lt"/>
+              </a:rPr>
+              <a:t> JavaScript API to improve the end-user performance. </a:t>
+            </a:r>
+            <a:r>
+              <a:rPr lang="en-US" sz="2000" dirty="0" err="1">
+                <a:latin typeface="+mn-lt"/>
+              </a:rPr>
+              <a:t>Powerbi.preload</a:t>
+            </a:r>
+            <a:r>
+              <a:rPr lang="en-US" sz="2000" dirty="0">
+                <a:latin typeface="+mn-lt"/>
+              </a:rPr>
+              <a:t>() downloads </a:t>
+            </a:r>
+            <a:r>
+              <a:rPr lang="en-US" sz="2000" dirty="0" err="1">
+                <a:latin typeface="+mn-lt"/>
+              </a:rPr>
+              <a:t>javascript</a:t>
+            </a:r>
+            <a:r>
+              <a:rPr lang="en-US" sz="2000" dirty="0">
+                <a:latin typeface="+mn-lt"/>
+              </a:rPr>
+              <a:t>, </a:t>
+            </a:r>
+            <a:r>
+              <a:rPr lang="en-US" sz="2000" dirty="0" err="1">
+                <a:latin typeface="+mn-lt"/>
+              </a:rPr>
+              <a:t>css</a:t>
+            </a:r>
+            <a:r>
+              <a:rPr lang="en-US" sz="2000" dirty="0">
+                <a:latin typeface="+mn-lt"/>
+              </a:rPr>
+              <a:t> files, and other artifacts, which is used later to embed in a report.</a:t>
+            </a:r>
+          </a:p>
+          <a:p>
+            <a:r>
+              <a:rPr lang="en-US" sz="2000" dirty="0">
+                <a:latin typeface="+mn-lt"/>
+              </a:rPr>
+              <a:t>Call preload if you're not embedding the report immediately. For example, if you embed a report on a button click, it’s better to call preload when the previous page loads. Then when the application user clicks the button, the rendering is faster</a:t>
+            </a:r>
+          </a:p>
+        </p:txBody>
+      </p:sp>
+      <p:sp>
+        <p:nvSpPr>
+          <p:cNvPr id="3" name="Title 2">
+            <a:extLst>
+              <a:ext uri="{FF2B5EF4-FFF2-40B4-BE49-F238E27FC236}">
+                <a16:creationId xmlns:a16="http://schemas.microsoft.com/office/drawing/2014/main" id="{F868C0D9-7661-4BF3-9F5E-1AEFA53D6051}"/>
               </a:ext>
             </a:extLst>
           </p:cNvPr>
@@ -16560,166 +14967,32 @@
             <p:ph type="title"/>
           </p:nvPr>
         </p:nvSpPr>
-        <p:spPr>
-          <a:xfrm>
-            <a:off x="648929" y="629266"/>
-            <a:ext cx="4595422" cy="1622321"/>
-          </a:xfrm>
-        </p:spPr>
+        <p:spPr/>
         <p:txBody>
-          <a:bodyPr vert="horz" lIns="91440" tIns="45720" rIns="91440" bIns="45720" rtlCol="0" anchor="ctr">
-            <a:normAutofit/>
-          </a:bodyPr>
+          <a:bodyPr anchor="ctr"/>
           <a:lstStyle/>
           <a:p>
             <a:r>
-              <a:rPr lang="en-US" b="1" dirty="0">
-                <a:latin typeface="+mn-lt"/>
-              </a:rPr>
-              <a:t>Using the Power BI Service API</a:t>
-            </a:r>
-            <a:endParaRPr lang="en-US" sz="4400" kern="1200" dirty="0">
-              <a:solidFill>
-                <a:schemeClr val="tx1"/>
-              </a:solidFill>
-              <a:latin typeface="+mn-lt"/>
-              <a:ea typeface="+mj-ea"/>
-              <a:cs typeface="+mj-cs"/>
-            </a:endParaRPr>
+              <a:rPr lang="en-US" sz="4400" b="1" dirty="0"/>
+              <a:t>Preload</a:t>
+            </a:r>
+            <a:endParaRPr lang="en-US" sz="4400" dirty="0"/>
           </a:p>
         </p:txBody>
       </p:sp>
-      <p:sp>
-        <p:nvSpPr>
-          <p:cNvPr id="4" name="Content Placeholder 3">
-            <a:extLst>
-              <a:ext uri="{FF2B5EF4-FFF2-40B4-BE49-F238E27FC236}">
-                <a16:creationId xmlns:a16="http://schemas.microsoft.com/office/drawing/2014/main" id="{AF2C42A9-88FA-4F65-A5E5-04393337A5BD}"/>
-              </a:ext>
-            </a:extLst>
-          </p:cNvPr>
-          <p:cNvSpPr>
-            <a:spLocks noGrp="1"/>
-          </p:cNvSpPr>
-          <p:nvPr>
-            <p:ph sz="half" idx="2"/>
-          </p:nvPr>
-        </p:nvSpPr>
-        <p:spPr>
-          <a:xfrm>
-            <a:off x="648931" y="2438400"/>
-            <a:ext cx="4595422" cy="3785419"/>
-          </a:xfrm>
-        </p:spPr>
-        <p:txBody>
-          <a:bodyPr vert="horz" lIns="91440" tIns="45720" rIns="91440" bIns="45720" rtlCol="0">
-            <a:normAutofit/>
-          </a:bodyPr>
-          <a:lstStyle/>
-          <a:p>
-            <a:pPr marL="285750"/>
-            <a:r>
-              <a:rPr lang="en-US" sz="1800" spc="200" dirty="0"/>
-              <a:t>Accessible by making direct REST calls against service</a:t>
-            </a:r>
-          </a:p>
-          <a:p>
-            <a:pPr marL="285750"/>
-            <a:r>
-              <a:rPr lang="en-US" sz="1800" spc="200" dirty="0"/>
-              <a:t>Accessible by using assembly DLL that abstracts away REST calls</a:t>
-            </a:r>
-          </a:p>
-          <a:p>
-            <a:pPr marL="285750"/>
-            <a:r>
-              <a:rPr lang="en-US" sz="1800" spc="200" dirty="0"/>
-              <a:t>Assembly DLL is named </a:t>
-            </a:r>
-            <a:r>
-              <a:rPr lang="en-US" sz="1800" spc="200" dirty="0" err="1"/>
-              <a:t>microsoft.Powerbi.Api.Dll</a:t>
-            </a:r>
-            <a:endParaRPr lang="en-US" sz="1800" spc="200" dirty="0"/>
-          </a:p>
-          <a:p>
-            <a:pPr marL="285750"/>
-            <a:r>
-              <a:rPr lang="en-US" sz="1800" spc="200" dirty="0"/>
-              <a:t>Assembly DLL part of </a:t>
-            </a:r>
-            <a:r>
-              <a:rPr lang="en-US" sz="1800" spc="200" dirty="0" err="1"/>
-              <a:t>nuget</a:t>
-            </a:r>
-            <a:r>
-              <a:rPr lang="en-US" sz="1800" spc="200" dirty="0"/>
-              <a:t> package (</a:t>
-            </a:r>
-            <a:r>
-              <a:rPr lang="en-US" sz="1800" b="1" spc="200" dirty="0" err="1"/>
-              <a:t>microsoft.Powerbi.Api</a:t>
-            </a:r>
-            <a:r>
-              <a:rPr lang="en-US" sz="1800" spc="200" dirty="0"/>
-              <a:t>)</a:t>
-            </a:r>
-          </a:p>
-          <a:p>
-            <a:pPr marL="285750"/>
-            <a:r>
-              <a:rPr lang="en-US" sz="1800" spc="200" dirty="0"/>
-              <a:t>Calling service requires authentication with azure active directory</a:t>
-            </a:r>
-          </a:p>
-          <a:p>
-            <a:endParaRPr lang="en-US" sz="1400" dirty="0"/>
-          </a:p>
-        </p:txBody>
-      </p:sp>
-      <p:pic>
-        <p:nvPicPr>
-          <p:cNvPr id="10" name="Content Placeholder 9">
-            <a:extLst>
-              <a:ext uri="{FF2B5EF4-FFF2-40B4-BE49-F238E27FC236}">
-                <a16:creationId xmlns:a16="http://schemas.microsoft.com/office/drawing/2014/main" id="{4431905D-18A2-4DEC-A291-3A106A2194A2}"/>
-              </a:ext>
-            </a:extLst>
-          </p:cNvPr>
-          <p:cNvPicPr>
-            <a:picLocks noGrp="1" noChangeAspect="1"/>
-          </p:cNvPicPr>
-          <p:nvPr>
-            <p:ph sz="half" idx="1"/>
-          </p:nvPr>
-        </p:nvPicPr>
-        <p:blipFill>
-          <a:blip r:embed="rId2"/>
-          <a:stretch>
-            <a:fillRect/>
-          </a:stretch>
-        </p:blipFill>
-        <p:spPr>
-          <a:xfrm>
-            <a:off x="5608319" y="2928504"/>
-            <a:ext cx="5614835" cy="847773"/>
-          </a:xfrm>
-          <a:prstGeom prst="rect">
-            <a:avLst/>
-          </a:prstGeom>
-          <a:effectLst/>
-        </p:spPr>
-      </p:pic>
     </p:spTree>
     <p:extLst>
       <p:ext uri="{BB962C8B-B14F-4D97-AF65-F5344CB8AC3E}">
-        <p14:creationId xmlns:p14="http://schemas.microsoft.com/office/powerpoint/2010/main" val="538127946"/>
+        <p14:creationId xmlns:p14="http://schemas.microsoft.com/office/powerpoint/2010/main" val="998818009"/>
       </p:ext>
     </p:extLst>
   </p:cSld>
   <p:clrMapOvr>
     <a:masterClrMapping/>
   </p:clrMapOvr>
+  <p:transition>
+    <p:fade/>
+  </p:transition>
 </p:sld>
 </file>
 
@@ -16742,10 +15015,109 @@
       </p:grpSpPr>
       <p:sp>
         <p:nvSpPr>
-          <p:cNvPr id="2" name="Title 1">
+          <p:cNvPr id="2" name="Text Placeholder 1">
             <a:extLst>
               <a:ext uri="{FF2B5EF4-FFF2-40B4-BE49-F238E27FC236}">
-                <a16:creationId xmlns:a16="http://schemas.microsoft.com/office/drawing/2014/main" id="{CA9A8477-F3D5-4A1E-AA14-3942F2AA5A9D}"/>
+                <a16:creationId xmlns:a16="http://schemas.microsoft.com/office/drawing/2014/main" id="{61297110-837B-478A-827E-B7B0328C97F7}"/>
+              </a:ext>
+            </a:extLst>
+          </p:cNvPr>
+          <p:cNvSpPr>
+            <a:spLocks noGrp="1"/>
+          </p:cNvSpPr>
+          <p:nvPr>
+            <p:ph type="body" sz="quarter" idx="10"/>
+          </p:nvPr>
+        </p:nvSpPr>
+        <p:spPr>
+          <a:xfrm>
+            <a:off x="269239" y="1189177"/>
+            <a:ext cx="11653523" cy="2708434"/>
+          </a:xfrm>
+        </p:spPr>
+        <p:txBody>
+          <a:bodyPr/>
+          <a:lstStyle/>
+          <a:p>
+            <a:r>
+              <a:rPr lang="en-US" sz="2000" dirty="0">
+                <a:latin typeface="+mn-lt"/>
+              </a:rPr>
+              <a:t>To measure performance, use:</a:t>
+            </a:r>
+          </a:p>
+          <a:p>
+            <a:pPr marL="0" indent="0">
+              <a:buNone/>
+            </a:pPr>
+            <a:endParaRPr lang="en-US" sz="2000" dirty="0">
+              <a:latin typeface="+mn-lt"/>
+            </a:endParaRPr>
+          </a:p>
+          <a:p>
+            <a:pPr marL="905393" lvl="2" indent="-457200">
+              <a:buFont typeface="+mj-lt"/>
+              <a:buAutoNum type="arabicPeriod"/>
+            </a:pPr>
+            <a:r>
+              <a:rPr lang="en-US" sz="2000" dirty="0">
+                <a:latin typeface="+mn-lt"/>
+              </a:rPr>
+              <a:t>Loaded: time until report is initialized (user sees no </a:t>
+            </a:r>
+            <a:r>
+              <a:rPr lang="en-US" sz="2000" dirty="0" err="1">
+                <a:latin typeface="+mn-lt"/>
+              </a:rPr>
+              <a:t>spinny</a:t>
+            </a:r>
+            <a:r>
+              <a:rPr lang="en-US" sz="2000" dirty="0">
+                <a:latin typeface="+mn-lt"/>
+              </a:rPr>
+              <a:t>).</a:t>
+            </a:r>
+          </a:p>
+          <a:p>
+            <a:pPr marL="905393" lvl="2" indent="-457200">
+              <a:buFont typeface="+mj-lt"/>
+              <a:buAutoNum type="arabicPeriod"/>
+            </a:pPr>
+            <a:r>
+              <a:rPr lang="en-US" sz="2000" dirty="0">
+                <a:latin typeface="+mn-lt"/>
+              </a:rPr>
+              <a:t>Rendered: time until fully report is rendered using actual data. The rendered event is fired each time the report is re-rendered (that is, after applying filters). To measure a report first, make sure you do the calculations in the first raised event</a:t>
+            </a:r>
+            <a:r>
+              <a:rPr lang="en-US" sz="2000" dirty="0"/>
+              <a:t>.</a:t>
+            </a:r>
+          </a:p>
+          <a:p>
+            <a:pPr marL="448193" lvl="2" indent="0">
+              <a:buNone/>
+            </a:pPr>
+            <a:endParaRPr lang="en-US" sz="2000" dirty="0">
+              <a:latin typeface="+mn-lt"/>
+            </a:endParaRPr>
+          </a:p>
+          <a:p>
+            <a:r>
+              <a:rPr lang="en-US" sz="2000" dirty="0">
+                <a:latin typeface="+mn-lt"/>
+              </a:rPr>
+              <a:t>Cached data is rendered when available, but we don’t have an event for this data yet.</a:t>
+            </a:r>
+          </a:p>
+        </p:txBody>
+      </p:sp>
+      <p:sp>
+        <p:nvSpPr>
+          <p:cNvPr id="3" name="Title 2">
+            <a:extLst>
+              <a:ext uri="{FF2B5EF4-FFF2-40B4-BE49-F238E27FC236}">
+                <a16:creationId xmlns:a16="http://schemas.microsoft.com/office/drawing/2014/main" id="{69252433-5895-4E95-9AF8-9C5DDDFC99DD}"/>
               </a:ext>
             </a:extLst>
           </p:cNvPr>
@@ -16756,191 +15128,32 @@
             <p:ph type="title"/>
           </p:nvPr>
         </p:nvSpPr>
-        <p:spPr>
-          <a:xfrm>
-            <a:off x="648928" y="629266"/>
-            <a:ext cx="4599432" cy="1622321"/>
-          </a:xfrm>
-        </p:spPr>
+        <p:spPr/>
         <p:txBody>
-          <a:bodyPr>
-            <a:normAutofit/>
-          </a:bodyPr>
+          <a:bodyPr/>
           <a:lstStyle/>
           <a:p>
             <a:r>
-              <a:rPr lang="en-US" sz="3700" dirty="0">
-                <a:latin typeface="+mn-lt"/>
-              </a:rPr>
-              <a:t>Power BI Embedding The Big Picture</a:t>
-            </a:r>
+              <a:rPr lang="en-US" sz="4400" b="1" dirty="0"/>
+              <a:t>Measure performance</a:t>
+            </a:r>
+            <a:endParaRPr lang="en-US" sz="4400" dirty="0"/>
           </a:p>
         </p:txBody>
       </p:sp>
-      <p:sp>
-        <p:nvSpPr>
-          <p:cNvPr id="13" name="Content Placeholder 12">
-            <a:extLst>
-              <a:ext uri="{FF2B5EF4-FFF2-40B4-BE49-F238E27FC236}">
-                <a16:creationId xmlns:a16="http://schemas.microsoft.com/office/drawing/2014/main" id="{8CDB77AE-C3E3-466C-9F51-854CCCAF56FE}"/>
-              </a:ext>
-            </a:extLst>
-          </p:cNvPr>
-          <p:cNvSpPr>
-            <a:spLocks noGrp="1"/>
-          </p:cNvSpPr>
-          <p:nvPr>
-            <p:ph idx="1"/>
-          </p:nvPr>
-        </p:nvSpPr>
-        <p:spPr>
-          <a:xfrm>
-            <a:off x="648930" y="2438400"/>
-            <a:ext cx="4599429" cy="3785419"/>
-          </a:xfrm>
-        </p:spPr>
-        <p:txBody>
-          <a:bodyPr>
-            <a:normAutofit fontScale="92500" lnSpcReduction="10000"/>
-          </a:bodyPr>
-          <a:lstStyle/>
-          <a:p>
-            <a:pPr marL="457200" indent="-514350">
-              <a:spcBef>
-                <a:spcPts val="400"/>
-              </a:spcBef>
-              <a:buFont typeface="+mj-lt"/>
-              <a:buAutoNum type="arabicPeriod"/>
-            </a:pPr>
-            <a:r>
-              <a:rPr lang="en-US" sz="2000" dirty="0"/>
-              <a:t>User launches your app using a browser</a:t>
-            </a:r>
-          </a:p>
-          <a:p>
-            <a:pPr marL="514350" indent="-514350">
-              <a:spcBef>
-                <a:spcPts val="400"/>
-              </a:spcBef>
-              <a:buFont typeface="+mj-lt"/>
-              <a:buAutoNum type="arabicPeriod"/>
-            </a:pPr>
-            <a:r>
-              <a:rPr lang="en-US" sz="2000" dirty="0"/>
-              <a:t>App authenticates with azure active directory and obtains access token </a:t>
-            </a:r>
-          </a:p>
-          <a:p>
-            <a:pPr marL="514350" indent="-514350">
-              <a:spcBef>
-                <a:spcPts val="400"/>
-              </a:spcBef>
-              <a:buFont typeface="+mj-lt"/>
-              <a:buAutoNum type="arabicPeriod"/>
-            </a:pPr>
-            <a:r>
-              <a:rPr lang="en-US" sz="2000" dirty="0"/>
-              <a:t>App uses access token to call to power BI service API</a:t>
-            </a:r>
-          </a:p>
-          <a:p>
-            <a:pPr marL="514350" indent="-514350">
-              <a:spcBef>
-                <a:spcPts val="400"/>
-              </a:spcBef>
-              <a:buFont typeface="+mj-lt"/>
-              <a:buAutoNum type="arabicPeriod"/>
-            </a:pPr>
-            <a:r>
-              <a:rPr lang="en-US" sz="2000" dirty="0"/>
-              <a:t>App retrieves data for embedded resource and passes it to browser.</a:t>
-            </a:r>
-          </a:p>
-          <a:p>
-            <a:pPr marL="514350" indent="-514350">
-              <a:spcBef>
-                <a:spcPts val="400"/>
-              </a:spcBef>
-              <a:buFont typeface="+mj-lt"/>
-              <a:buAutoNum type="arabicPeriod"/>
-            </a:pPr>
-            <a:r>
-              <a:rPr lang="en-US" sz="2000" dirty="0"/>
-              <a:t>Client-side code uses power bi </a:t>
-            </a:r>
-            <a:r>
-              <a:rPr lang="en-US" sz="2000" dirty="0" err="1"/>
-              <a:t>javascript</a:t>
-            </a:r>
-            <a:r>
-              <a:rPr lang="en-US" sz="2000" dirty="0"/>
-              <a:t> </a:t>
-            </a:r>
-            <a:r>
-              <a:rPr lang="en-US" sz="2000" dirty="0" err="1"/>
-              <a:t>api</a:t>
-            </a:r>
-            <a:r>
-              <a:rPr lang="en-US" sz="2000" dirty="0"/>
-              <a:t> to create embedded resource</a:t>
-            </a:r>
-          </a:p>
-          <a:p>
-            <a:pPr marL="514350" indent="-514350">
-              <a:spcBef>
-                <a:spcPts val="400"/>
-              </a:spcBef>
-              <a:buFont typeface="+mj-lt"/>
-              <a:buAutoNum type="arabicPeriod"/>
-            </a:pPr>
-            <a:r>
-              <a:rPr lang="en-US" sz="2000" dirty="0"/>
-              <a:t>Embedded resource session created between browser and power BI service</a:t>
-            </a:r>
-          </a:p>
-        </p:txBody>
-      </p:sp>
-      <p:pic>
-        <p:nvPicPr>
-          <p:cNvPr id="11" name="Content Placeholder 7">
-            <a:extLst>
-              <a:ext uri="{FF2B5EF4-FFF2-40B4-BE49-F238E27FC236}">
-                <a16:creationId xmlns:a16="http://schemas.microsoft.com/office/drawing/2014/main" id="{48A200A6-5BD3-489F-A0F4-7EF19324883A}"/>
-              </a:ext>
-            </a:extLst>
-          </p:cNvPr>
-          <p:cNvPicPr>
-            <a:picLocks noChangeAspect="1"/>
-          </p:cNvPicPr>
-          <p:nvPr/>
-        </p:nvPicPr>
-        <p:blipFill>
-          <a:blip r:embed="rId3"/>
-          <a:stretch>
-            <a:fillRect/>
-          </a:stretch>
-        </p:blipFill>
-        <p:spPr>
-          <a:xfrm>
-            <a:off x="5608319" y="2145201"/>
-            <a:ext cx="5614835" cy="2414379"/>
-          </a:xfrm>
-          <a:prstGeom prst="rect">
-            <a:avLst/>
-          </a:prstGeom>
-          <a:effectLst/>
-        </p:spPr>
-      </p:pic>
     </p:spTree>
     <p:extLst>
       <p:ext uri="{BB962C8B-B14F-4D97-AF65-F5344CB8AC3E}">
-        <p14:creationId xmlns:p14="http://schemas.microsoft.com/office/powerpoint/2010/main" val="3421331840"/>
+        <p14:creationId xmlns:p14="http://schemas.microsoft.com/office/powerpoint/2010/main" val="2330748908"/>
       </p:ext>
     </p:extLst>
   </p:cSld>
   <p:clrMapOvr>
     <a:masterClrMapping/>
   </p:clrMapOvr>
+  <p:transition>
+    <p:fade/>
+  </p:transition>
 </p:sld>
 </file>
 
@@ -16963,10 +15176,190 @@
       </p:grpSpPr>
       <p:sp>
         <p:nvSpPr>
-          <p:cNvPr id="2" name="Title 1">
+          <p:cNvPr id="2" name="Text Placeholder 1">
             <a:extLst>
               <a:ext uri="{FF2B5EF4-FFF2-40B4-BE49-F238E27FC236}">
-                <a16:creationId xmlns:a16="http://schemas.microsoft.com/office/drawing/2014/main" id="{F09B4607-1367-4235-B68C-EEDBBAD1064A}"/>
+                <a16:creationId xmlns:a16="http://schemas.microsoft.com/office/drawing/2014/main" id="{B6445504-EA71-4D2C-881A-03D0D206CDEC}"/>
+              </a:ext>
+            </a:extLst>
+          </p:cNvPr>
+          <p:cNvSpPr>
+            <a:spLocks noGrp="1"/>
+          </p:cNvSpPr>
+          <p:nvPr>
+            <p:ph type="body" sz="quarter" idx="10"/>
+          </p:nvPr>
+        </p:nvSpPr>
+        <p:spPr>
+          <a:xfrm>
+            <a:off x="269239" y="1189177"/>
+            <a:ext cx="11653523" cy="2431435"/>
+          </a:xfrm>
+        </p:spPr>
+        <p:txBody>
+          <a:bodyPr/>
+          <a:lstStyle/>
+          <a:p>
+            <a:r>
+              <a:rPr lang="en-US" sz="2000" dirty="0">
+                <a:solidFill>
+                  <a:schemeClr val="tx1"/>
+                </a:solidFill>
+                <a:latin typeface="+mn-lt"/>
+              </a:rPr>
+              <a:t>Keep tools and SDK packages up-to-date.</a:t>
+            </a:r>
+          </a:p>
+          <a:p>
+            <a:r>
+              <a:rPr lang="en-US" sz="2000" dirty="0">
+                <a:solidFill>
+                  <a:schemeClr val="tx1"/>
+                </a:solidFill>
+                <a:latin typeface="+mn-lt"/>
+              </a:rPr>
+              <a:t>Always use the latest version of </a:t>
+            </a:r>
+            <a:r>
+              <a:rPr lang="en-US" sz="2000" u="sng" dirty="0">
+                <a:solidFill>
+                  <a:schemeClr val="tx1"/>
+                </a:solidFill>
+                <a:latin typeface="+mn-lt"/>
+                <a:hlinkClick r:id="rId2">
+                  <a:extLst>
+                    <a:ext uri="{A12FA001-AC4F-418D-AE19-62706E023703}">
+                      <ahyp:hlinkClr xmlns:ahyp="http://schemas.microsoft.com/office/drawing/2018/hyperlinkcolor" val="tx"/>
+                    </a:ext>
+                  </a:extLst>
+                </a:hlinkClick>
+              </a:rPr>
+              <a:t>Power BI Desktop</a:t>
+            </a:r>
+            <a:r>
+              <a:rPr lang="en-US" sz="2000" dirty="0">
+                <a:solidFill>
+                  <a:schemeClr val="tx1"/>
+                </a:solidFill>
+                <a:latin typeface="+mn-lt"/>
+              </a:rPr>
+              <a:t>.</a:t>
+            </a:r>
+          </a:p>
+          <a:p>
+            <a:r>
+              <a:rPr lang="en-US" sz="2000" dirty="0">
+                <a:solidFill>
+                  <a:schemeClr val="tx1"/>
+                </a:solidFill>
+                <a:latin typeface="+mn-lt"/>
+              </a:rPr>
+              <a:t>Install the latest version of the </a:t>
+            </a:r>
+            <a:r>
+              <a:rPr lang="en-US" sz="2000" u="sng" dirty="0">
+                <a:solidFill>
+                  <a:schemeClr val="tx1"/>
+                </a:solidFill>
+                <a:latin typeface="+mn-lt"/>
+                <a:hlinkClick r:id="rId3">
+                  <a:extLst>
+                    <a:ext uri="{A12FA001-AC4F-418D-AE19-62706E023703}">
+                      <ahyp:hlinkClr xmlns:ahyp="http://schemas.microsoft.com/office/drawing/2018/hyperlinkcolor" val="tx"/>
+                    </a:ext>
+                  </a:extLst>
+                </a:hlinkClick>
+              </a:rPr>
+              <a:t>Power BI client SDK</a:t>
+            </a:r>
+            <a:r>
+              <a:rPr lang="en-US" sz="2000" dirty="0">
+                <a:solidFill>
+                  <a:schemeClr val="tx1"/>
+                </a:solidFill>
+                <a:latin typeface="+mn-lt"/>
+              </a:rPr>
+              <a:t>. We continue to release more enhancements, so make sure to follow up from time to time.</a:t>
+            </a:r>
+          </a:p>
+          <a:p>
+            <a:r>
+              <a:rPr lang="en-US" sz="2000" dirty="0">
+                <a:solidFill>
+                  <a:schemeClr val="tx1"/>
+                </a:solidFill>
+                <a:latin typeface="+mn-lt"/>
+              </a:rPr>
+              <a:t>Packages to install:</a:t>
+            </a:r>
+          </a:p>
+          <a:p>
+            <a:pPr lvl="1"/>
+            <a:r>
+              <a:rPr lang="en-US" sz="2000" dirty="0" err="1">
+                <a:solidFill>
+                  <a:schemeClr val="tx1"/>
+                </a:solidFill>
+              </a:rPr>
+              <a:t>Npm</a:t>
+            </a:r>
+            <a:r>
+              <a:rPr lang="en-US" sz="2000" dirty="0">
+                <a:solidFill>
+                  <a:schemeClr val="tx1"/>
+                </a:solidFill>
+              </a:rPr>
+              <a:t> package: </a:t>
+            </a:r>
+            <a:r>
+              <a:rPr lang="en-US" sz="2000" dirty="0" err="1">
+                <a:solidFill>
+                  <a:schemeClr val="tx1"/>
+                </a:solidFill>
+              </a:rPr>
+              <a:t>powerbi</a:t>
+            </a:r>
+            <a:r>
+              <a:rPr lang="en-US" sz="2000" dirty="0">
+                <a:solidFill>
+                  <a:schemeClr val="tx1"/>
+                </a:solidFill>
+              </a:rPr>
+              <a:t>-client</a:t>
+            </a:r>
+          </a:p>
+          <a:p>
+            <a:pPr lvl="1"/>
+            <a:r>
+              <a:rPr lang="en-US" sz="2000" dirty="0">
+                <a:solidFill>
+                  <a:schemeClr val="tx1"/>
+                </a:solidFill>
+              </a:rPr>
+              <a:t>NuGet package: </a:t>
+            </a:r>
+            <a:r>
+              <a:rPr lang="en-US" sz="2000" dirty="0" err="1">
+                <a:solidFill>
+                  <a:schemeClr val="tx1"/>
+                </a:solidFill>
+              </a:rPr>
+              <a:t>Microsoft.PowerBI.JavaScript</a:t>
+            </a:r>
+            <a:endParaRPr lang="en-US" sz="2000" dirty="0">
+              <a:solidFill>
+                <a:schemeClr val="tx1"/>
+              </a:solidFill>
+            </a:endParaRPr>
+          </a:p>
+        </p:txBody>
+      </p:sp>
+      <p:sp>
+        <p:nvSpPr>
+          <p:cNvPr id="3" name="Title 2">
+            <a:extLst>
+              <a:ext uri="{FF2B5EF4-FFF2-40B4-BE49-F238E27FC236}">
+                <a16:creationId xmlns:a16="http://schemas.microsoft.com/office/drawing/2014/main" id="{A0CC7CEE-B35D-47B3-973A-C4E758A2B607}"/>
               </a:ext>
             </a:extLst>
           </p:cNvPr>
@@ -16977,173 +15370,32 @@
             <p:ph type="title"/>
           </p:nvPr>
         </p:nvSpPr>
-        <p:spPr>
-          <a:xfrm>
-            <a:off x="648929" y="629266"/>
-            <a:ext cx="3505495" cy="1622321"/>
-          </a:xfrm>
-        </p:spPr>
+        <p:spPr/>
         <p:txBody>
-          <a:bodyPr vert="horz" lIns="91440" tIns="45720" rIns="91440" bIns="45720" rtlCol="0" anchor="ctr">
-            <a:normAutofit/>
-          </a:bodyPr>
+          <a:bodyPr anchor="ctr"/>
           <a:lstStyle/>
           <a:p>
             <a:r>
-              <a:rPr lang="en-US" sz="3700" kern="1200">
-                <a:solidFill>
-                  <a:schemeClr val="tx1"/>
-                </a:solidFill>
-                <a:latin typeface="+mn-lt"/>
-                <a:ea typeface="+mj-ea"/>
-                <a:cs typeface="+mj-cs"/>
-              </a:rPr>
-              <a:t>Power BI Embedding – The Big Picture</a:t>
-            </a:r>
+              <a:rPr lang="en-US" sz="4400" b="1" dirty="0"/>
+              <a:t>Update tools and SDK packages</a:t>
+            </a:r>
+            <a:endParaRPr lang="en-US" sz="4400" dirty="0"/>
           </a:p>
         </p:txBody>
       </p:sp>
-      <p:sp>
-        <p:nvSpPr>
-          <p:cNvPr id="3" name="Content Placeholder 2">
-            <a:extLst>
-              <a:ext uri="{FF2B5EF4-FFF2-40B4-BE49-F238E27FC236}">
-                <a16:creationId xmlns:a16="http://schemas.microsoft.com/office/drawing/2014/main" id="{168AE756-B1D4-4A83-AFF1-7055DEF22C9C}"/>
-              </a:ext>
-            </a:extLst>
-          </p:cNvPr>
-          <p:cNvSpPr>
-            <a:spLocks noGrp="1"/>
-          </p:cNvSpPr>
-          <p:nvPr>
-            <p:ph sz="half" idx="1"/>
-          </p:nvPr>
-        </p:nvSpPr>
-        <p:spPr>
-          <a:xfrm>
-            <a:off x="648931" y="2438400"/>
-            <a:ext cx="3505494" cy="3785419"/>
-          </a:xfrm>
-        </p:spPr>
-        <p:txBody>
-          <a:bodyPr vert="horz" lIns="91440" tIns="45720" rIns="91440" bIns="45720" rtlCol="0">
-            <a:normAutofit lnSpcReduction="10000"/>
-          </a:bodyPr>
-          <a:lstStyle/>
-          <a:p>
-            <a:pPr marL="457200">
-              <a:spcBef>
-                <a:spcPts val="400"/>
-              </a:spcBef>
-            </a:pPr>
-            <a:r>
-              <a:rPr lang="en-US" sz="1600"/>
-              <a:t>User launches your app using a browser</a:t>
-            </a:r>
-          </a:p>
-          <a:p>
-            <a:pPr marL="514350">
-              <a:spcBef>
-                <a:spcPts val="400"/>
-              </a:spcBef>
-            </a:pPr>
-            <a:r>
-              <a:rPr lang="en-US" sz="1600"/>
-              <a:t>App authenticates with azure active directory and obtains access token </a:t>
-            </a:r>
-          </a:p>
-          <a:p>
-            <a:pPr marL="514350">
-              <a:spcBef>
-                <a:spcPts val="400"/>
-              </a:spcBef>
-            </a:pPr>
-            <a:r>
-              <a:rPr lang="en-US" sz="1600"/>
-              <a:t>App uses access token to call to power BI service API</a:t>
-            </a:r>
-          </a:p>
-          <a:p>
-            <a:pPr marL="514350">
-              <a:spcBef>
-                <a:spcPts val="400"/>
-              </a:spcBef>
-            </a:pPr>
-            <a:r>
-              <a:rPr lang="en-US" sz="1600"/>
-              <a:t>App retrieves data for embedded resource and passes it to browser.</a:t>
-            </a:r>
-          </a:p>
-          <a:p>
-            <a:pPr marL="514350">
-              <a:spcBef>
-                <a:spcPts val="400"/>
-              </a:spcBef>
-            </a:pPr>
-            <a:r>
-              <a:rPr lang="en-US" sz="1600"/>
-              <a:t>Client-side code uses power bi javascript api to create embedded resource</a:t>
-            </a:r>
-          </a:p>
-          <a:p>
-            <a:pPr marL="514350">
-              <a:spcBef>
-                <a:spcPts val="400"/>
-              </a:spcBef>
-            </a:pPr>
-            <a:r>
-              <a:rPr lang="en-US" sz="1600"/>
-              <a:t>Embedded resource session created between browser and power BI service</a:t>
-            </a:r>
-          </a:p>
-          <a:p>
-            <a:endParaRPr lang="en-US" sz="1600"/>
-          </a:p>
-        </p:txBody>
-      </p:sp>
-      <p:pic>
-        <p:nvPicPr>
-          <p:cNvPr id="5" name="Content Placeholder 4">
-            <a:extLst>
-              <a:ext uri="{FF2B5EF4-FFF2-40B4-BE49-F238E27FC236}">
-                <a16:creationId xmlns:a16="http://schemas.microsoft.com/office/drawing/2014/main" id="{C5C0C6D6-9388-4167-B74C-5A2342C4A3C9}"/>
-              </a:ext>
-            </a:extLst>
-          </p:cNvPr>
-          <p:cNvPicPr>
-            <a:picLocks noGrp="1" noChangeAspect="1"/>
-          </p:cNvPicPr>
-          <p:nvPr>
-            <p:ph sz="half" idx="2"/>
-          </p:nvPr>
-        </p:nvPicPr>
-        <p:blipFill>
-          <a:blip r:embed="rId2"/>
-          <a:stretch>
-            <a:fillRect/>
-          </a:stretch>
-        </p:blipFill>
-        <p:spPr>
-          <a:xfrm>
-            <a:off x="5672294" y="965595"/>
-            <a:ext cx="5486885" cy="4773591"/>
-          </a:xfrm>
-          <a:prstGeom prst="rect">
-            <a:avLst/>
-          </a:prstGeom>
-          <a:effectLst/>
-        </p:spPr>
-      </p:pic>
     </p:spTree>
     <p:extLst>
       <p:ext uri="{BB962C8B-B14F-4D97-AF65-F5344CB8AC3E}">
-        <p14:creationId xmlns:p14="http://schemas.microsoft.com/office/powerpoint/2010/main" val="3903180212"/>
+        <p14:creationId xmlns:p14="http://schemas.microsoft.com/office/powerpoint/2010/main" val="644244680"/>
       </p:ext>
     </p:extLst>
   </p:cSld>
   <p:clrMapOvr>
     <a:masterClrMapping/>
   </p:clrMapOvr>
+  <p:transition>
+    <p:fade/>
+  </p:transition>
 </p:sld>
 </file>
 
@@ -17166,13 +15418,7 @@
       </p:grpSpPr>
       <p:sp>
         <p:nvSpPr>
-          <p:cNvPr id="2" name="Title 1">
-            <a:extLst>
-              <a:ext uri="{FF2B5EF4-FFF2-40B4-BE49-F238E27FC236}">
-                <a16:creationId xmlns:a16="http://schemas.microsoft.com/office/drawing/2014/main" id="{9BE05351-2724-4E97-86E0-2B4B45DBA7E5}"/>
-              </a:ext>
-            </a:extLst>
-          </p:cNvPr>
+          <p:cNvPr id="2" name="Title 1"/>
           <p:cNvSpPr>
             <a:spLocks noGrp="1"/>
           </p:cNvSpPr>
@@ -17180,137 +15426,44 @@
             <p:ph type="title"/>
           </p:nvPr>
         </p:nvSpPr>
-        <p:spPr>
-          <a:xfrm>
-            <a:off x="648929" y="629266"/>
-            <a:ext cx="3505495" cy="1622321"/>
-          </a:xfrm>
-        </p:spPr>
+        <p:spPr/>
         <p:txBody>
-          <a:bodyPr vert="horz" lIns="91440" tIns="45720" rIns="91440" bIns="45720" rtlCol="0" anchor="ctr">
-            <a:normAutofit/>
-          </a:bodyPr>
+          <a:bodyPr/>
           <a:lstStyle/>
           <a:p>
             <a:r>
-              <a:rPr lang="en-US" kern="1200">
+              <a:rPr lang="en-US" dirty="0">
                 <a:solidFill>
                   <a:schemeClr val="tx1"/>
                 </a:solidFill>
-                <a:latin typeface="+mn-lt"/>
-                <a:ea typeface="+mj-ea"/>
-                <a:cs typeface="+mj-cs"/>
               </a:rPr>
-              <a:t>First Party Embedding</a:t>
+              <a:t>Wrap Up</a:t>
             </a:r>
           </a:p>
         </p:txBody>
       </p:sp>
-      <p:sp>
-        <p:nvSpPr>
-          <p:cNvPr id="3" name="Content Placeholder 2">
-            <a:extLst>
-              <a:ext uri="{FF2B5EF4-FFF2-40B4-BE49-F238E27FC236}">
-                <a16:creationId xmlns:a16="http://schemas.microsoft.com/office/drawing/2014/main" id="{828CFE44-D3D4-4AEA-9007-95FC2C08EAA5}"/>
-              </a:ext>
-            </a:extLst>
-          </p:cNvPr>
-          <p:cNvSpPr>
-            <a:spLocks noGrp="1"/>
-          </p:cNvSpPr>
-          <p:nvPr>
-            <p:ph sz="half" idx="1"/>
-          </p:nvPr>
-        </p:nvSpPr>
-        <p:spPr>
-          <a:xfrm>
-            <a:off x="648931" y="2438400"/>
-            <a:ext cx="3505494" cy="3785419"/>
-          </a:xfrm>
-        </p:spPr>
-        <p:txBody>
-          <a:bodyPr vert="horz" lIns="91440" tIns="45720" rIns="91440" bIns="45720" rtlCol="0">
-            <a:normAutofit/>
-          </a:bodyPr>
-          <a:lstStyle/>
-          <a:p>
-            <a:r>
-              <a:rPr lang="en-US" sz="2000"/>
-              <a:t>App authenticates current user with Azure AD</a:t>
-            </a:r>
-          </a:p>
-          <a:p>
-            <a:r>
-              <a:rPr lang="en-US" sz="2000"/>
-              <a:t>Your code accesses Power BI Service as current user</a:t>
-            </a:r>
-          </a:p>
-          <a:p>
-            <a:r>
-              <a:rPr lang="en-US" sz="2000"/>
-              <a:t>Embedding requires Azure AD access token for user</a:t>
-            </a:r>
-          </a:p>
-          <a:p>
-            <a:r>
-              <a:rPr lang="en-US" sz="2000"/>
-              <a:t>User requires Azure AD account and Power BI license</a:t>
-            </a:r>
-          </a:p>
-          <a:p>
-            <a:r>
-              <a:rPr lang="en-US" sz="2000"/>
-              <a:t>Your code has access to whatever user has access to</a:t>
-            </a:r>
-          </a:p>
-          <a:p>
-            <a:endParaRPr lang="en-US" sz="2000"/>
-          </a:p>
-        </p:txBody>
-      </p:sp>
-      <p:pic>
-        <p:nvPicPr>
-          <p:cNvPr id="5" name="Content Placeholder 4">
-            <a:extLst>
-              <a:ext uri="{FF2B5EF4-FFF2-40B4-BE49-F238E27FC236}">
-                <a16:creationId xmlns:a16="http://schemas.microsoft.com/office/drawing/2014/main" id="{5395AC01-85B1-49F5-B8AB-C0F7BB0CDA3E}"/>
-              </a:ext>
-            </a:extLst>
-          </p:cNvPr>
-          <p:cNvPicPr>
-            <a:picLocks noGrp="1" noChangeAspect="1"/>
-          </p:cNvPicPr>
-          <p:nvPr>
-            <p:ph sz="half" idx="2"/>
-          </p:nvPr>
-        </p:nvPicPr>
-        <p:blipFill>
-          <a:blip r:embed="rId2"/>
-          <a:stretch>
-            <a:fillRect/>
-          </a:stretch>
-        </p:blipFill>
-        <p:spPr>
-          <a:xfrm>
-            <a:off x="5608319" y="2393602"/>
-            <a:ext cx="5614835" cy="1917576"/>
-          </a:xfrm>
-          <a:prstGeom prst="rect">
-            <a:avLst/>
-          </a:prstGeom>
-          <a:effectLst/>
-        </p:spPr>
-      </p:pic>
     </p:spTree>
     <p:extLst>
       <p:ext uri="{BB962C8B-B14F-4D97-AF65-F5344CB8AC3E}">
-        <p14:creationId xmlns:p14="http://schemas.microsoft.com/office/powerpoint/2010/main" val="878665244"/>
+        <p14:creationId xmlns:p14="http://schemas.microsoft.com/office/powerpoint/2010/main" val="2714070568"/>
       </p:ext>
     </p:extLst>
   </p:cSld>
   <p:clrMapOvr>
     <a:masterClrMapping/>
   </p:clrMapOvr>
+  <mc:AlternateContent xmlns:mc="http://schemas.openxmlformats.org/markup-compatibility/2006" xmlns:p14="http://schemas.microsoft.com/office/powerpoint/2010/main">
+    <mc:Choice Requires="p14">
+      <p:transition spd="med" p14:dur="700">
+        <p:fade/>
+      </p:transition>
+    </mc:Choice>
+    <mc:Fallback xmlns="">
+      <p:transition spd="med">
+        <p:fade/>
+      </p:transition>
+    </mc:Fallback>
+  </mc:AlternateContent>
 </p:sld>
 </file>
 
@@ -18189,6 +16342,15 @@
 </file>
 
 <file path=customXml/item2.xml><?xml version="1.0" encoding="utf-8"?>
+<p:properties xmlns:p="http://schemas.microsoft.com/office/2006/metadata/properties" xmlns:xsi="http://www.w3.org/2001/XMLSchema-instance" xmlns:pc="http://schemas.microsoft.com/office/infopath/2007/PartnerControls">
+  <documentManagement>
+    <_ip_UnifiedCompliancePolicyUIAction xmlns="http://schemas.microsoft.com/sharepoint/v3" xsi:nil="true"/>
+    <_ip_UnifiedCompliancePolicyProperties xmlns="http://schemas.microsoft.com/sharepoint/v3" xsi:nil="true"/>
+  </documentManagement>
+</p:properties>
+</file>
+
+<file path=customXml/item3.xml><?xml version="1.0" encoding="utf-8"?>
 <ct:contentTypeSchema xmlns:ct="http://schemas.microsoft.com/office/2006/metadata/contentType" xmlns:ma="http://schemas.microsoft.com/office/2006/metadata/properties/metaAttributes" ct:_="" ma:_="" ma:contentTypeName="Document" ma:contentTypeID="0x010100D15DFA3690A15B4081582BBCC6BEAC3E" ma:contentTypeVersion="9" ma:contentTypeDescription="Create a new document." ma:contentTypeScope="" ma:versionID="642da1784587cbe85a7fdbbe4dc36103">
   <xsd:schema xmlns:xsd="http://www.w3.org/2001/XMLSchema" xmlns:xs="http://www.w3.org/2001/XMLSchema" xmlns:p="http://schemas.microsoft.com/office/2006/metadata/properties" xmlns:ns1="http://schemas.microsoft.com/sharepoint/v3" xmlns:ns2="2023ac63-7b75-4916-a9ee-591457758eee" xmlns:ns3="d9c797ad-d7c3-4982-82b7-81352a75e4a5" targetNamespace="http://schemas.microsoft.com/office/2006/metadata/properties" ma:root="true" ma:fieldsID="91198b0246576053cc55dd2c67035a89" ns1:_="" ns2:_="" ns3:_="">
     <xsd:import namespace="http://schemas.microsoft.com/sharepoint/v3"/>
@@ -18390,15 +16552,6 @@
 </ct:contentTypeSchema>
 </file>
 
-<file path=customXml/item3.xml><?xml version="1.0" encoding="utf-8"?>
-<p:properties xmlns:p="http://schemas.microsoft.com/office/2006/metadata/properties" xmlns:xsi="http://www.w3.org/2001/XMLSchema-instance" xmlns:pc="http://schemas.microsoft.com/office/infopath/2007/PartnerControls">
-  <documentManagement>
-    <_ip_UnifiedCompliancePolicyUIAction xmlns="http://schemas.microsoft.com/sharepoint/v3" xsi:nil="true"/>
-    <_ip_UnifiedCompliancePolicyProperties xmlns="http://schemas.microsoft.com/sharepoint/v3" xsi:nil="true"/>
-  </documentManagement>
-</p:properties>
-</file>
-
 <file path=customXml/itemProps1.xml><?xml version="1.0" encoding="utf-8"?>
 <ds:datastoreItem xmlns:ds="http://schemas.openxmlformats.org/officeDocument/2006/customXml" ds:itemID="{F18501AF-04CF-4482-BAE1-607B49DDC378}">
   <ds:schemaRefs>
@@ -18408,6 +16561,24 @@
 </file>
 
 <file path=customXml/itemProps2.xml><?xml version="1.0" encoding="utf-8"?>
+<ds:datastoreItem xmlns:ds="http://schemas.openxmlformats.org/officeDocument/2006/customXml" ds:itemID="{BAF7D529-36AB-45DA-B239-2F912F2D1610}">
+  <ds:schemaRefs>
+    <ds:schemaRef ds:uri="http://schemas.microsoft.com/office/2006/metadata/properties"/>
+    <ds:schemaRef ds:uri="d9c797ad-d7c3-4982-82b7-81352a75e4a5"/>
+    <ds:schemaRef ds:uri="http://purl.org/dc/terms/"/>
+    <ds:schemaRef ds:uri="2023ac63-7b75-4916-a9ee-591457758eee"/>
+    <ds:schemaRef ds:uri="http://purl.org/dc/elements/1.1/"/>
+    <ds:schemaRef ds:uri="http://schemas.openxmlformats.org/package/2006/metadata/core-properties"/>
+    <ds:schemaRef ds:uri="http://purl.org/dc/dcmitype/"/>
+    <ds:schemaRef ds:uri="http://schemas.microsoft.com/office/2006/documentManagement/types"/>
+    <ds:schemaRef ds:uri="http://schemas.microsoft.com/office/infopath/2007/PartnerControls"/>
+    <ds:schemaRef ds:uri="http://schemas.microsoft.com/sharepoint/v3"/>
+    <ds:schemaRef ds:uri="http://www.w3.org/XML/1998/namespace"/>
+  </ds:schemaRefs>
+</ds:datastoreItem>
+</file>
+
+<file path=customXml/itemProps3.xml><?xml version="1.0" encoding="utf-8"?>
 <ds:datastoreItem xmlns:ds="http://schemas.openxmlformats.org/officeDocument/2006/customXml" ds:itemID="{255F5BEB-6AD6-480A-8556-C80C5EBC10F2}">
   <ds:schemaRefs>
     <ds:schemaRef ds:uri="http://schemas.microsoft.com/office/2006/metadata/contentType"/>
@@ -18425,22 +16596,4 @@
     <ds:schemaRef ds:uri="http://schemas.microsoft.com/internal/obd"/>
   </ds:schemaRefs>
 </ds:datastoreItem>
-</file>
-
-<file path=customXml/itemProps3.xml><?xml version="1.0" encoding="utf-8"?>
-<ds:datastoreItem xmlns:ds="http://schemas.openxmlformats.org/officeDocument/2006/customXml" ds:itemID="{BAF7D529-36AB-45DA-B239-2F912F2D1610}">
-  <ds:schemaRefs>
-    <ds:schemaRef ds:uri="http://schemas.microsoft.com/office/2006/metadata/properties"/>
-    <ds:schemaRef ds:uri="d9c797ad-d7c3-4982-82b7-81352a75e4a5"/>
-    <ds:schemaRef ds:uri="http://purl.org/dc/terms/"/>
-    <ds:schemaRef ds:uri="2023ac63-7b75-4916-a9ee-591457758eee"/>
-    <ds:schemaRef ds:uri="http://purl.org/dc/elements/1.1/"/>
-    <ds:schemaRef ds:uri="http://schemas.openxmlformats.org/package/2006/metadata/core-properties"/>
-    <ds:schemaRef ds:uri="http://purl.org/dc/dcmitype/"/>
-    <ds:schemaRef ds:uri="http://schemas.microsoft.com/office/2006/documentManagement/types"/>
-    <ds:schemaRef ds:uri="http://schemas.microsoft.com/office/infopath/2007/PartnerControls"/>
-    <ds:schemaRef ds:uri="http://schemas.microsoft.com/sharepoint/v3"/>
-    <ds:schemaRef ds:uri="http://www.w3.org/XML/1998/namespace"/>
-  </ds:schemaRefs>
-</ds:datastoreItem>
 </file>
--- a/4. Hands-on Modules/Embedding/_12. Performance Best Practices.pptx
+++ b/4. Hands-on Modules/Embedding/_12. Performance Best Practices.pptx
@@ -216,7 +216,7 @@
           <a:p>
             <a:fld id="{52A13B17-C506-4D51-BB37-16B365906619}" type="datetimeFigureOut">
               <a:rPr lang="en-US" smtClean="0"/>
-              <a:t>3/4/2019</a:t>
+              <a:t>3/5/2019</a:t>
             </a:fld>
             <a:endParaRPr lang="en-US"/>
           </a:p>
@@ -765,7 +765,7 @@
           <a:p>
             <a:fld id="{35A2D088-BDBD-41A5-ADCE-5C6A4DC08057}" type="datetime8">
               <a:rPr lang="en-US" smtClean="0"/>
-              <a:t>3/4/2019 3:01 PM</a:t>
+              <a:t>3/5/2019 12:30 AM</a:t>
             </a:fld>
             <a:endParaRPr lang="en-US" dirty="0"/>
           </a:p>
@@ -1030,7 +1030,7 @@
           <a:p>
             <a:fld id="{35A2D088-BDBD-41A5-ADCE-5C6A4DC08057}" type="datetime8">
               <a:rPr lang="en-US" smtClean="0"/>
-              <a:t>3/4/2019 3:01 PM</a:t>
+              <a:t>3/5/2019 12:30 AM</a:t>
             </a:fld>
             <a:endParaRPr lang="en-US" dirty="0"/>
           </a:p>
@@ -1180,7 +1180,7 @@
                   <a:prstClr val="black"/>
                 </a:solidFill>
               </a:rPr>
-              <a:t>3/4/2019 3:01 PM</a:t>
+              <a:t>3/5/2019 12:30 AM</a:t>
             </a:fld>
             <a:endParaRPr lang="en-US" dirty="0">
               <a:solidFill>
@@ -11326,7 +11326,7 @@
             <a:fld id="{2E809A50-B28D-413A-915D-87F91E5248C6}" type="datetimeFigureOut">
               <a:rPr lang="en-US" smtClean="0"/>
               <a:pPr/>
-              <a:t>3/4/2019</a:t>
+              <a:t>3/5/2019</a:t>
             </a:fld>
             <a:endParaRPr lang="en-US"/>
           </a:p>
@@ -11513,7 +11513,7 @@
           <a:p>
             <a:fld id="{1279C872-40C5-4778-A459-913B2790679C}" type="datetimeFigureOut">
               <a:rPr lang="en-US" smtClean="0"/>
-              <a:t>3/4/2019</a:t>
+              <a:t>3/5/2019</a:t>
             </a:fld>
             <a:endParaRPr lang="en-US"/>
           </a:p>
@@ -14017,7 +14017,7 @@
         </p:nvSpPr>
         <p:spPr/>
         <p:txBody>
-          <a:bodyPr>
+          <a:bodyPr anchor="ctr">
             <a:normAutofit/>
           </a:bodyPr>
           <a:lstStyle/>
@@ -14379,8 +14379,8 @@
           <a:lstStyle/>
           <a:p>
             <a:r>
-              <a:rPr lang="en-US" sz="4400" b="1" dirty="0"/>
-              <a:t>Embed parameters</a:t>
+              <a:rPr lang="en-US" sz="4400" dirty="0"/>
+              <a:t>Embed Parameters</a:t>
             </a:r>
           </a:p>
         </p:txBody>
@@ -14401,8 +14401,8 @@
         </p:nvSpPr>
         <p:spPr>
           <a:xfrm>
-            <a:off x="266921" y="1981200"/>
-            <a:ext cx="11653523" cy="4320988"/>
+            <a:off x="685800" y="2223246"/>
+            <a:ext cx="10596282" cy="3330389"/>
           </a:xfrm>
           <a:prstGeom prst="rect">
             <a:avLst/>
@@ -14636,10 +14636,11 @@
           </a:lstStyle>
           <a:p>
             <a:r>
-              <a:rPr lang="en-US" sz="2000" b="1" dirty="0">
+              <a:rPr lang="en-US" sz="1600" b="1" dirty="0">
                 <a:solidFill>
                   <a:schemeClr val="tx1"/>
                 </a:solidFill>
+                <a:latin typeface="+mn-lt"/>
               </a:rPr>
               <a:t>Embed URL</a:t>
             </a:r>
@@ -14647,7 +14648,7 @@
           <a:p>
             <a:pPr lvl="1"/>
             <a:r>
-              <a:rPr lang="en-US" sz="2000" dirty="0">
+              <a:rPr lang="en-US" sz="1600" dirty="0">
                 <a:solidFill>
                   <a:schemeClr val="tx1"/>
                 </a:solidFill>
@@ -14655,7 +14656,7 @@
               <a:t>Avoid generating the embed URL yourself. Instead, make sure you get the Embed URL by calling the </a:t>
             </a:r>
             <a:r>
-              <a:rPr lang="en-US" sz="2000" u="sng" dirty="0">
+              <a:rPr lang="en-US" sz="1600" u="sng" dirty="0">
                 <a:solidFill>
                   <a:schemeClr val="tx1"/>
                 </a:solidFill>
@@ -14670,7 +14671,7 @@
               <a:t>Get reports</a:t>
             </a:r>
             <a:r>
-              <a:rPr lang="en-US" sz="2000" dirty="0">
+              <a:rPr lang="en-US" sz="1600" dirty="0">
                 <a:solidFill>
                   <a:schemeClr val="tx1"/>
                 </a:solidFill>
@@ -14678,7 +14679,7 @@
               <a:t>, the </a:t>
             </a:r>
             <a:r>
-              <a:rPr lang="en-US" sz="2000" u="sng" dirty="0">
+              <a:rPr lang="en-US" sz="1600" u="sng" dirty="0">
                 <a:solidFill>
                   <a:schemeClr val="tx1"/>
                 </a:solidFill>
@@ -14693,7 +14694,7 @@
               <a:t>Get dashboards</a:t>
             </a:r>
             <a:r>
-              <a:rPr lang="en-US" sz="2000" dirty="0">
+              <a:rPr lang="en-US" sz="1600" dirty="0">
                 <a:solidFill>
                   <a:schemeClr val="tx1"/>
                 </a:solidFill>
@@ -14701,7 +14702,7 @@
               <a:t>, or the </a:t>
             </a:r>
             <a:r>
-              <a:rPr lang="en-US" sz="2000" u="sng" dirty="0">
+              <a:rPr lang="en-US" sz="1600" u="sng" dirty="0">
                 <a:solidFill>
                   <a:schemeClr val="tx1"/>
                 </a:solidFill>
@@ -14716,7 +14717,7 @@
               <a:t>Get tiles</a:t>
             </a:r>
             <a:r>
-              <a:rPr lang="en-US" sz="2000" dirty="0">
+              <a:rPr lang="en-US" sz="1600" dirty="0">
                 <a:solidFill>
                   <a:schemeClr val="tx1"/>
                 </a:solidFill>
@@ -14724,7 +14725,7 @@
               <a:t> API. We added a new parameter to the URL called </a:t>
             </a:r>
             <a:r>
-              <a:rPr lang="en-US" sz="2000" b="1" i="1" dirty="0">
+              <a:rPr lang="en-US" sz="1600" b="1" i="1" dirty="0">
                 <a:solidFill>
                   <a:schemeClr val="tx1"/>
                 </a:solidFill>
@@ -14732,7 +14733,7 @@
               <a:t>config</a:t>
             </a:r>
             <a:r>
-              <a:rPr lang="en-US" sz="2000" dirty="0">
+              <a:rPr lang="en-US" sz="1600" dirty="0">
                 <a:solidFill>
                   <a:schemeClr val="tx1"/>
                 </a:solidFill>
@@ -14742,10 +14743,11 @@
           </a:p>
           <a:p>
             <a:r>
-              <a:rPr lang="en-US" sz="2000" b="1" dirty="0">
+              <a:rPr lang="en-US" sz="1600" b="1" dirty="0">
                 <a:solidFill>
                   <a:schemeClr val="tx1"/>
                 </a:solidFill>
+                <a:latin typeface="+mn-lt"/>
               </a:rPr>
               <a:t>Permissions</a:t>
             </a:r>
@@ -14753,7 +14755,7 @@
           <a:p>
             <a:pPr lvl="1"/>
             <a:r>
-              <a:rPr lang="en-US" sz="2000" dirty="0">
+              <a:rPr lang="en-US" sz="1600" dirty="0">
                 <a:solidFill>
                   <a:schemeClr val="tx1"/>
                 </a:solidFill>
@@ -14761,7 +14763,7 @@
               <a:t>Provide </a:t>
             </a:r>
             <a:r>
-              <a:rPr lang="en-US" sz="2000" b="1" dirty="0">
+              <a:rPr lang="en-US" sz="1600" b="1" dirty="0">
                 <a:solidFill>
                   <a:schemeClr val="tx1"/>
                 </a:solidFill>
@@ -14769,7 +14771,7 @@
               <a:t>View</a:t>
             </a:r>
             <a:r>
-              <a:rPr lang="en-US" sz="2000" dirty="0">
+              <a:rPr lang="en-US" sz="1600" dirty="0">
                 <a:solidFill>
                   <a:schemeClr val="tx1"/>
                 </a:solidFill>
@@ -14777,7 +14779,7 @@
               <a:t> permissions if you're not intending to embed a report in </a:t>
             </a:r>
             <a:r>
-              <a:rPr lang="en-US" sz="2000" b="1" dirty="0">
+              <a:rPr lang="en-US" sz="1600" b="1" dirty="0">
                 <a:solidFill>
                   <a:schemeClr val="tx1"/>
                 </a:solidFill>
@@ -14785,7 +14787,7 @@
               <a:t>Edit mode</a:t>
             </a:r>
             <a:r>
-              <a:rPr lang="en-US" sz="2000" dirty="0">
+              <a:rPr lang="en-US" sz="1600" dirty="0">
                 <a:solidFill>
                   <a:schemeClr val="tx1"/>
                 </a:solidFill>
@@ -14795,10 +14797,11 @@
           </a:p>
           <a:p>
             <a:r>
-              <a:rPr lang="en-US" sz="2000" b="1" dirty="0">
+              <a:rPr lang="en-US" sz="1600" b="1" dirty="0">
                 <a:solidFill>
                   <a:schemeClr val="tx1"/>
                 </a:solidFill>
+                <a:latin typeface="+mn-lt"/>
               </a:rPr>
               <a:t>Filters, bookmarks, and slicers</a:t>
             </a:r>
@@ -14806,7 +14809,7 @@
           <a:p>
             <a:pPr lvl="1"/>
             <a:r>
-              <a:rPr lang="en-US" sz="2000" dirty="0">
+              <a:rPr lang="en-US" sz="1600" dirty="0">
                 <a:solidFill>
                   <a:schemeClr val="tx1"/>
                 </a:solidFill>
@@ -14817,7 +14820,7 @@
           <a:p>
             <a:pPr lvl="1"/>
             <a:r>
-              <a:rPr lang="en-US" sz="2000" dirty="0">
+              <a:rPr lang="en-US" sz="1600" dirty="0">
                 <a:solidFill>
                   <a:schemeClr val="tx1"/>
                 </a:solidFill>
@@ -14973,10 +14976,9 @@
           <a:lstStyle/>
           <a:p>
             <a:r>
-              <a:rPr lang="en-US" sz="4400" b="1" dirty="0"/>
+              <a:rPr lang="en-US" sz="4400" dirty="0"/>
               <a:t>Preload</a:t>
             </a:r>
-            <a:endParaRPr lang="en-US" sz="4400" dirty="0"/>
           </a:p>
         </p:txBody>
       </p:sp>
@@ -15130,14 +15132,13 @@
         </p:nvSpPr>
         <p:spPr/>
         <p:txBody>
-          <a:bodyPr/>
+          <a:bodyPr anchor="ctr"/>
           <a:lstStyle/>
           <a:p>
             <a:r>
-              <a:rPr lang="en-US" sz="4400" b="1" dirty="0"/>
+              <a:rPr lang="en-US" sz="4400" dirty="0"/>
               <a:t>Measure performance</a:t>
             </a:r>
-            <a:endParaRPr lang="en-US" sz="4400" dirty="0"/>
           </a:p>
         </p:txBody>
       </p:sp>
@@ -15376,10 +15377,9 @@
           <a:lstStyle/>
           <a:p>
             <a:r>
-              <a:rPr lang="en-US" sz="4400" b="1" dirty="0"/>
+              <a:rPr lang="en-US" sz="4400" dirty="0"/>
               <a:t>Update tools and SDK packages</a:t>
             </a:r>
-            <a:endParaRPr lang="en-US" sz="4400" dirty="0"/>
           </a:p>
         </p:txBody>
       </p:sp>
@@ -16333,24 +16333,6 @@
 </file>
 
 <file path=customXml/item1.xml><?xml version="1.0" encoding="utf-8"?>
-<?mso-contentType ?>
-<FormTemplates xmlns="http://schemas.microsoft.com/sharepoint/v3/contenttype/forms">
-  <Display>DocumentLibraryForm</Display>
-  <Edit>DocumentLibraryForm</Edit>
-  <New>DocumentLibraryForm</New>
-</FormTemplates>
-</file>
-
-<file path=customXml/item2.xml><?xml version="1.0" encoding="utf-8"?>
-<p:properties xmlns:p="http://schemas.microsoft.com/office/2006/metadata/properties" xmlns:xsi="http://www.w3.org/2001/XMLSchema-instance" xmlns:pc="http://schemas.microsoft.com/office/infopath/2007/PartnerControls">
-  <documentManagement>
-    <_ip_UnifiedCompliancePolicyUIAction xmlns="http://schemas.microsoft.com/sharepoint/v3" xsi:nil="true"/>
-    <_ip_UnifiedCompliancePolicyProperties xmlns="http://schemas.microsoft.com/sharepoint/v3" xsi:nil="true"/>
-  </documentManagement>
-</p:properties>
-</file>
-
-<file path=customXml/item3.xml><?xml version="1.0" encoding="utf-8"?>
 <ct:contentTypeSchema xmlns:ct="http://schemas.microsoft.com/office/2006/metadata/contentType" xmlns:ma="http://schemas.microsoft.com/office/2006/metadata/properties/metaAttributes" ct:_="" ma:_="" ma:contentTypeName="Document" ma:contentTypeID="0x010100D15DFA3690A15B4081582BBCC6BEAC3E" ma:contentTypeVersion="9" ma:contentTypeDescription="Create a new document." ma:contentTypeScope="" ma:versionID="642da1784587cbe85a7fdbbe4dc36103">
   <xsd:schema xmlns:xsd="http://www.w3.org/2001/XMLSchema" xmlns:xs="http://www.w3.org/2001/XMLSchema" xmlns:p="http://schemas.microsoft.com/office/2006/metadata/properties" xmlns:ns1="http://schemas.microsoft.com/sharepoint/v3" xmlns:ns2="2023ac63-7b75-4916-a9ee-591457758eee" xmlns:ns3="d9c797ad-d7c3-4982-82b7-81352a75e4a5" targetNamespace="http://schemas.microsoft.com/office/2006/metadata/properties" ma:root="true" ma:fieldsID="91198b0246576053cc55dd2c67035a89" ns1:_="" ns2:_="" ns3:_="">
     <xsd:import namespace="http://schemas.microsoft.com/sharepoint/v3"/>
@@ -16552,10 +16534,40 @@
 </ct:contentTypeSchema>
 </file>
 
+<file path=customXml/item2.xml><?xml version="1.0" encoding="utf-8"?>
+<p:properties xmlns:p="http://schemas.microsoft.com/office/2006/metadata/properties" xmlns:xsi="http://www.w3.org/2001/XMLSchema-instance" xmlns:pc="http://schemas.microsoft.com/office/infopath/2007/PartnerControls">
+  <documentManagement>
+    <_ip_UnifiedCompliancePolicyUIAction xmlns="http://schemas.microsoft.com/sharepoint/v3" xsi:nil="true"/>
+    <_ip_UnifiedCompliancePolicyProperties xmlns="http://schemas.microsoft.com/sharepoint/v3" xsi:nil="true"/>
+  </documentManagement>
+</p:properties>
+</file>
+
+<file path=customXml/item3.xml><?xml version="1.0" encoding="utf-8"?>
+<?mso-contentType ?>
+<FormTemplates xmlns="http://schemas.microsoft.com/sharepoint/v3/contenttype/forms">
+  <Display>DocumentLibraryForm</Display>
+  <Edit>DocumentLibraryForm</Edit>
+  <New>DocumentLibraryForm</New>
+</FormTemplates>
+</file>
+
 <file path=customXml/itemProps1.xml><?xml version="1.0" encoding="utf-8"?>
-<ds:datastoreItem xmlns:ds="http://schemas.openxmlformats.org/officeDocument/2006/customXml" ds:itemID="{F18501AF-04CF-4482-BAE1-607B49DDC378}">
+<ds:datastoreItem xmlns:ds="http://schemas.openxmlformats.org/officeDocument/2006/customXml" ds:itemID="{255F5BEB-6AD6-480A-8556-C80C5EBC10F2}">
   <ds:schemaRefs>
-    <ds:schemaRef ds:uri="http://schemas.microsoft.com/sharepoint/v3/contenttype/forms"/>
+    <ds:schemaRef ds:uri="http://schemas.microsoft.com/office/2006/metadata/contentType"/>
+    <ds:schemaRef ds:uri="http://schemas.microsoft.com/office/2006/metadata/properties/metaAttributes"/>
+    <ds:schemaRef ds:uri="http://www.w3.org/2001/XMLSchema"/>
+    <ds:schemaRef ds:uri="http://schemas.microsoft.com/office/2006/metadata/properties"/>
+    <ds:schemaRef ds:uri="http://schemas.microsoft.com/sharepoint/v3"/>
+    <ds:schemaRef ds:uri="2023ac63-7b75-4916-a9ee-591457758eee"/>
+    <ds:schemaRef ds:uri="d9c797ad-d7c3-4982-82b7-81352a75e4a5"/>
+    <ds:schemaRef ds:uri="http://schemas.microsoft.com/office/2006/documentManagement/types"/>
+    <ds:schemaRef ds:uri="http://schemas.microsoft.com/office/infopath/2007/PartnerControls"/>
+    <ds:schemaRef ds:uri="http://schemas.openxmlformats.org/package/2006/metadata/core-properties"/>
+    <ds:schemaRef ds:uri="http://purl.org/dc/elements/1.1/"/>
+    <ds:schemaRef ds:uri="http://purl.org/dc/terms/"/>
+    <ds:schemaRef ds:uri="http://schemas.microsoft.com/internal/obd"/>
   </ds:schemaRefs>
 </ds:datastoreItem>
 </file>
@@ -16579,21 +16591,9 @@
 </file>
 
 <file path=customXml/itemProps3.xml><?xml version="1.0" encoding="utf-8"?>
-<ds:datastoreItem xmlns:ds="http://schemas.openxmlformats.org/officeDocument/2006/customXml" ds:itemID="{255F5BEB-6AD6-480A-8556-C80C5EBC10F2}">
+<ds:datastoreItem xmlns:ds="http://schemas.openxmlformats.org/officeDocument/2006/customXml" ds:itemID="{F18501AF-04CF-4482-BAE1-607B49DDC378}">
   <ds:schemaRefs>
-    <ds:schemaRef ds:uri="http://schemas.microsoft.com/office/2006/metadata/contentType"/>
-    <ds:schemaRef ds:uri="http://schemas.microsoft.com/office/2006/metadata/properties/metaAttributes"/>
-    <ds:schemaRef ds:uri="http://www.w3.org/2001/XMLSchema"/>
-    <ds:schemaRef ds:uri="http://schemas.microsoft.com/office/2006/metadata/properties"/>
-    <ds:schemaRef ds:uri="http://schemas.microsoft.com/sharepoint/v3"/>
-    <ds:schemaRef ds:uri="2023ac63-7b75-4916-a9ee-591457758eee"/>
-    <ds:schemaRef ds:uri="d9c797ad-d7c3-4982-82b7-81352a75e4a5"/>
-    <ds:schemaRef ds:uri="http://schemas.microsoft.com/office/2006/documentManagement/types"/>
-    <ds:schemaRef ds:uri="http://schemas.microsoft.com/office/infopath/2007/PartnerControls"/>
-    <ds:schemaRef ds:uri="http://schemas.openxmlformats.org/package/2006/metadata/core-properties"/>
-    <ds:schemaRef ds:uri="http://purl.org/dc/elements/1.1/"/>
-    <ds:schemaRef ds:uri="http://purl.org/dc/terms/"/>
-    <ds:schemaRef ds:uri="http://schemas.microsoft.com/internal/obd"/>
+    <ds:schemaRef ds:uri="http://schemas.microsoft.com/sharepoint/v3/contenttype/forms"/>
   </ds:schemaRefs>
 </ds:datastoreItem>
 </file>